--- a/1.15-Fan Chengze.pptx
+++ b/1.15-Fan Chengze.pptx
@@ -4,20 +4,24 @@
   <p:sldMasterIdLst>
     <p:sldMasterId id="2147483648" r:id="rId1"/>
   </p:sldMasterIdLst>
+  <p:notesMasterIdLst>
+    <p:notesMasterId r:id="rId12"/>
+  </p:notesMasterIdLst>
   <p:sldIdLst>
-    <p:sldId id="257" r:id="rId2"/>
-    <p:sldId id="258" r:id="rId3"/>
-    <p:sldId id="259" r:id="rId4"/>
-    <p:sldId id="260" r:id="rId5"/>
-    <p:sldId id="261" r:id="rId6"/>
-    <p:sldId id="262" r:id="rId7"/>
-    <p:sldId id="263" r:id="rId8"/>
-    <p:sldId id="264" r:id="rId9"/>
-    <p:sldId id="265" r:id="rId10"/>
-    <p:sldId id="266" r:id="rId11"/>
-    <p:sldId id="267" r:id="rId12"/>
-    <p:sldId id="268" r:id="rId13"/>
-    <p:sldId id="269" r:id="rId14"/>
+    <p:sldId id="257" r:id="rId3"/>
+    <p:sldId id="258" r:id="rId4"/>
+    <p:sldId id="259" r:id="rId5"/>
+    <p:sldId id="260" r:id="rId6"/>
+    <p:sldId id="261" r:id="rId7"/>
+    <p:sldId id="272" r:id="rId8"/>
+    <p:sldId id="273" r:id="rId9"/>
+    <p:sldId id="262" r:id="rId10"/>
+    <p:sldId id="263" r:id="rId11"/>
+    <p:sldId id="266" r:id="rId13"/>
+    <p:sldId id="267" r:id="rId14"/>
+    <p:sldId id="268" r:id="rId15"/>
+    <p:sldId id="271" r:id="rId16"/>
+    <p:sldId id="269" r:id="rId17"/>
   </p:sldIdLst>
   <p:sldSz cx="12192000" cy="6858000"/>
   <p:notesSz cx="6858000" cy="9144000"/>
@@ -116,12 +120,419 @@
       </a:defRPr>
     </a:lvl9pPr>
   </p:defaultTextStyle>
-  <p:extLst>
-    <p:ext uri="{EFAFB233-063F-42B5-8137-9DF3F51BA10A}">
-      <p15:sldGuideLst xmlns:p15="http://schemas.microsoft.com/office/powerpoint/2012/main"/>
-    </p:ext>
-  </p:extLst>
 </p:presentation>
+</file>
+
+<file path=ppt/notesMasters/notesMaster1.xml><?xml version="1.0" encoding="utf-8"?>
+<p:notesMaster xmlns:a="http://schemas.openxmlformats.org/drawingml/2006/main" xmlns:r="http://schemas.openxmlformats.org/officeDocument/2006/relationships" xmlns:p="http://schemas.openxmlformats.org/presentationml/2006/main">
+  <p:cSld>
+    <p:bg>
+      <p:bgRef idx="1001">
+        <a:schemeClr val="bg1"/>
+      </p:bgRef>
+    </p:bg>
+    <p:spTree>
+      <p:nvGrpSpPr>
+        <p:cNvPr id="1" name=""/>
+        <p:cNvGrpSpPr/>
+        <p:nvPr/>
+      </p:nvGrpSpPr>
+      <p:grpSpPr>
+        <a:xfrm>
+          <a:off x="0" y="0"/>
+          <a:ext cx="0" cy="0"/>
+          <a:chOff x="0" y="0"/>
+          <a:chExt cx="0" cy="0"/>
+        </a:xfrm>
+      </p:grpSpPr>
+      <p:sp>
+        <p:nvSpPr>
+          <p:cNvPr id="2" name="Header Placeholder 1"/>
+          <p:cNvSpPr>
+            <a:spLocks noGrp="1"/>
+          </p:cNvSpPr>
+          <p:nvPr>
+            <p:ph type="hdr" sz="quarter"/>
+          </p:nvPr>
+        </p:nvSpPr>
+        <p:spPr>
+          <a:xfrm>
+            <a:off x="0" y="0"/>
+            <a:ext cx="2971800" cy="458788"/>
+          </a:xfrm>
+          <a:prstGeom prst="rect">
+            <a:avLst/>
+          </a:prstGeom>
+        </p:spPr>
+        <p:txBody>
+          <a:bodyPr vert="horz" lIns="91440" tIns="45720" rIns="91440" bIns="45720" rtlCol="0"/>
+          <a:lstStyle>
+            <a:lvl1pPr algn="l">
+              <a:defRPr sz="1200"/>
+            </a:lvl1pPr>
+          </a:lstStyle>
+          <a:p>
+            <a:endParaRPr lang="en-US"/>
+          </a:p>
+        </p:txBody>
+      </p:sp>
+      <p:sp>
+        <p:nvSpPr>
+          <p:cNvPr id="3" name="Date Placeholder 2"/>
+          <p:cNvSpPr>
+            <a:spLocks noGrp="1"/>
+          </p:cNvSpPr>
+          <p:nvPr>
+            <p:ph type="dt" idx="1"/>
+          </p:nvPr>
+        </p:nvSpPr>
+        <p:spPr>
+          <a:xfrm>
+            <a:off x="3884613" y="0"/>
+            <a:ext cx="2971800" cy="458788"/>
+          </a:xfrm>
+          <a:prstGeom prst="rect">
+            <a:avLst/>
+          </a:prstGeom>
+        </p:spPr>
+        <p:txBody>
+          <a:bodyPr vert="horz" lIns="91440" tIns="45720" rIns="91440" bIns="45720" rtlCol="0"/>
+          <a:lstStyle>
+            <a:lvl1pPr algn="r">
+              <a:defRPr sz="1200"/>
+            </a:lvl1pPr>
+          </a:lstStyle>
+          <a:p>
+            <a:fld id="{3EFD42F7-718C-4B98-AAEC-167E6DDD60A7}" type="datetimeFigureOut">
+              <a:rPr lang="en-US" smtClean="0"/>
+            </a:fld>
+            <a:endParaRPr lang="en-US"/>
+          </a:p>
+        </p:txBody>
+      </p:sp>
+      <p:sp>
+        <p:nvSpPr>
+          <p:cNvPr id="4" name="Slide Image Placeholder 3"/>
+          <p:cNvSpPr>
+            <a:spLocks noGrp="1" noRot="1" noChangeAspect="1"/>
+          </p:cNvSpPr>
+          <p:nvPr>
+            <p:ph type="sldImg" idx="2"/>
+          </p:nvPr>
+        </p:nvSpPr>
+        <p:spPr>
+          <a:xfrm>
+            <a:off x="685800" y="1143000"/>
+            <a:ext cx="5486400" cy="3086100"/>
+          </a:xfrm>
+          <a:prstGeom prst="rect">
+            <a:avLst/>
+          </a:prstGeom>
+          <a:noFill/>
+          <a:ln w="12700">
+            <a:solidFill>
+              <a:prstClr val="black"/>
+            </a:solidFill>
+          </a:ln>
+        </p:spPr>
+        <p:txBody>
+          <a:bodyPr vert="horz" lIns="91440" tIns="45720" rIns="91440" bIns="45720" rtlCol="0" anchor="ctr"/>
+          <a:lstStyle/>
+          <a:p>
+            <a:endParaRPr lang="en-US"/>
+          </a:p>
+        </p:txBody>
+      </p:sp>
+      <p:sp>
+        <p:nvSpPr>
+          <p:cNvPr id="5" name="Notes Placeholder 4"/>
+          <p:cNvSpPr>
+            <a:spLocks noGrp="1"/>
+          </p:cNvSpPr>
+          <p:nvPr>
+            <p:ph type="body" sz="quarter" idx="3"/>
+          </p:nvPr>
+        </p:nvSpPr>
+        <p:spPr>
+          <a:xfrm>
+            <a:off x="685800" y="4400550"/>
+            <a:ext cx="5486400" cy="3600450"/>
+          </a:xfrm>
+          <a:prstGeom prst="rect">
+            <a:avLst/>
+          </a:prstGeom>
+        </p:spPr>
+        <p:txBody>
+          <a:bodyPr vert="horz" lIns="91440" tIns="45720" rIns="91440" bIns="45720" rtlCol="0"/>
+          <a:lstStyle/>
+          <a:p>
+            <a:pPr lvl="0"/>
+            <a:r>
+              <a:rPr lang="en-US" smtClean="0"/>
+              <a:t>Click to edit Master text styles</a:t>
+            </a:r>
+            <a:endParaRPr lang="en-US" smtClean="0"/>
+          </a:p>
+          <a:p>
+            <a:pPr lvl="1"/>
+            <a:r>
+              <a:rPr lang="en-US" smtClean="0"/>
+              <a:t>Second level</a:t>
+            </a:r>
+            <a:endParaRPr lang="en-US" smtClean="0"/>
+          </a:p>
+          <a:p>
+            <a:pPr lvl="2"/>
+            <a:r>
+              <a:rPr lang="en-US" smtClean="0"/>
+              <a:t>Third level</a:t>
+            </a:r>
+            <a:endParaRPr lang="en-US" smtClean="0"/>
+          </a:p>
+          <a:p>
+            <a:pPr lvl="3"/>
+            <a:r>
+              <a:rPr lang="en-US" smtClean="0"/>
+              <a:t>Fourth level</a:t>
+            </a:r>
+            <a:endParaRPr lang="en-US" smtClean="0"/>
+          </a:p>
+          <a:p>
+            <a:pPr lvl="4"/>
+            <a:r>
+              <a:rPr lang="en-US" smtClean="0"/>
+              <a:t>Fifth level</a:t>
+            </a:r>
+            <a:endParaRPr lang="en-US"/>
+          </a:p>
+        </p:txBody>
+      </p:sp>
+      <p:sp>
+        <p:nvSpPr>
+          <p:cNvPr id="6" name="Footer Placeholder 5"/>
+          <p:cNvSpPr>
+            <a:spLocks noGrp="1"/>
+          </p:cNvSpPr>
+          <p:nvPr>
+            <p:ph type="ftr" sz="quarter" idx="4"/>
+          </p:nvPr>
+        </p:nvSpPr>
+        <p:spPr>
+          <a:xfrm>
+            <a:off x="0" y="8685213"/>
+            <a:ext cx="2971800" cy="458787"/>
+          </a:xfrm>
+          <a:prstGeom prst="rect">
+            <a:avLst/>
+          </a:prstGeom>
+        </p:spPr>
+        <p:txBody>
+          <a:bodyPr vert="horz" lIns="91440" tIns="45720" rIns="91440" bIns="45720" rtlCol="0" anchor="b"/>
+          <a:lstStyle>
+            <a:lvl1pPr algn="l">
+              <a:defRPr sz="1200"/>
+            </a:lvl1pPr>
+          </a:lstStyle>
+          <a:p>
+            <a:endParaRPr lang="en-US"/>
+          </a:p>
+        </p:txBody>
+      </p:sp>
+      <p:sp>
+        <p:nvSpPr>
+          <p:cNvPr id="7" name="Slide Number Placeholder 6"/>
+          <p:cNvSpPr>
+            <a:spLocks noGrp="1"/>
+          </p:cNvSpPr>
+          <p:nvPr>
+            <p:ph type="sldNum" sz="quarter" idx="5"/>
+          </p:nvPr>
+        </p:nvSpPr>
+        <p:spPr>
+          <a:xfrm>
+            <a:off x="3884613" y="8685213"/>
+            <a:ext cx="2971800" cy="458787"/>
+          </a:xfrm>
+          <a:prstGeom prst="rect">
+            <a:avLst/>
+          </a:prstGeom>
+        </p:spPr>
+        <p:txBody>
+          <a:bodyPr vert="horz" lIns="91440" tIns="45720" rIns="91440" bIns="45720" rtlCol="0" anchor="b"/>
+          <a:lstStyle>
+            <a:lvl1pPr algn="r">
+              <a:defRPr sz="1200"/>
+            </a:lvl1pPr>
+          </a:lstStyle>
+          <a:p>
+            <a:fld id="{21B2AA4F-B828-4D7C-AFD3-893933DAFCB4}" type="slidenum">
+              <a:rPr lang="en-US" smtClean="0"/>
+            </a:fld>
+            <a:endParaRPr lang="en-US"/>
+          </a:p>
+        </p:txBody>
+      </p:sp>
+    </p:spTree>
+  </p:cSld>
+  <p:clrMap bg1="lt1" tx1="dk1" bg2="lt2" tx2="dk2" accent1="accent1" accent2="accent2" accent3="accent3" accent4="accent4" accent5="accent5" accent6="accent6" hlink="hlink" folHlink="folHlink"/>
+  <p:notesStyle>
+    <a:lvl1pPr marL="0" algn="l" defTabSz="914400" rtl="0" eaLnBrk="1" latinLnBrk="0" hangingPunct="1">
+      <a:defRPr sz="1200" kern="1200">
+        <a:solidFill>
+          <a:schemeClr val="tx1"/>
+        </a:solidFill>
+        <a:latin typeface="+mn-lt"/>
+        <a:ea typeface="+mn-ea"/>
+        <a:cs typeface="+mn-cs"/>
+      </a:defRPr>
+    </a:lvl1pPr>
+    <a:lvl2pPr marL="457200" algn="l" defTabSz="914400" rtl="0" eaLnBrk="1" latinLnBrk="0" hangingPunct="1">
+      <a:defRPr sz="1200" kern="1200">
+        <a:solidFill>
+          <a:schemeClr val="tx1"/>
+        </a:solidFill>
+        <a:latin typeface="+mn-lt"/>
+        <a:ea typeface="+mn-ea"/>
+        <a:cs typeface="+mn-cs"/>
+      </a:defRPr>
+    </a:lvl2pPr>
+    <a:lvl3pPr marL="914400" algn="l" defTabSz="914400" rtl="0" eaLnBrk="1" latinLnBrk="0" hangingPunct="1">
+      <a:defRPr sz="1200" kern="1200">
+        <a:solidFill>
+          <a:schemeClr val="tx1"/>
+        </a:solidFill>
+        <a:latin typeface="+mn-lt"/>
+        <a:ea typeface="+mn-ea"/>
+        <a:cs typeface="+mn-cs"/>
+      </a:defRPr>
+    </a:lvl3pPr>
+    <a:lvl4pPr marL="1371600" algn="l" defTabSz="914400" rtl="0" eaLnBrk="1" latinLnBrk="0" hangingPunct="1">
+      <a:defRPr sz="1200" kern="1200">
+        <a:solidFill>
+          <a:schemeClr val="tx1"/>
+        </a:solidFill>
+        <a:latin typeface="+mn-lt"/>
+        <a:ea typeface="+mn-ea"/>
+        <a:cs typeface="+mn-cs"/>
+      </a:defRPr>
+    </a:lvl4pPr>
+    <a:lvl5pPr marL="1828800" algn="l" defTabSz="914400" rtl="0" eaLnBrk="1" latinLnBrk="0" hangingPunct="1">
+      <a:defRPr sz="1200" kern="1200">
+        <a:solidFill>
+          <a:schemeClr val="tx1"/>
+        </a:solidFill>
+        <a:latin typeface="+mn-lt"/>
+        <a:ea typeface="+mn-ea"/>
+        <a:cs typeface="+mn-cs"/>
+      </a:defRPr>
+    </a:lvl5pPr>
+    <a:lvl6pPr marL="2286000" algn="l" defTabSz="914400" rtl="0" eaLnBrk="1" latinLnBrk="0" hangingPunct="1">
+      <a:defRPr sz="1200" kern="1200">
+        <a:solidFill>
+          <a:schemeClr val="tx1"/>
+        </a:solidFill>
+        <a:latin typeface="+mn-lt"/>
+        <a:ea typeface="+mn-ea"/>
+        <a:cs typeface="+mn-cs"/>
+      </a:defRPr>
+    </a:lvl6pPr>
+    <a:lvl7pPr marL="2743200" algn="l" defTabSz="914400" rtl="0" eaLnBrk="1" latinLnBrk="0" hangingPunct="1">
+      <a:defRPr sz="1200" kern="1200">
+        <a:solidFill>
+          <a:schemeClr val="tx1"/>
+        </a:solidFill>
+        <a:latin typeface="+mn-lt"/>
+        <a:ea typeface="+mn-ea"/>
+        <a:cs typeface="+mn-cs"/>
+      </a:defRPr>
+    </a:lvl7pPr>
+    <a:lvl8pPr marL="3200400" algn="l" defTabSz="914400" rtl="0" eaLnBrk="1" latinLnBrk="0" hangingPunct="1">
+      <a:defRPr sz="1200" kern="1200">
+        <a:solidFill>
+          <a:schemeClr val="tx1"/>
+        </a:solidFill>
+        <a:latin typeface="+mn-lt"/>
+        <a:ea typeface="+mn-ea"/>
+        <a:cs typeface="+mn-cs"/>
+      </a:defRPr>
+    </a:lvl8pPr>
+    <a:lvl9pPr marL="3657600" algn="l" defTabSz="914400" rtl="0" eaLnBrk="1" latinLnBrk="0" hangingPunct="1">
+      <a:defRPr sz="1200" kern="1200">
+        <a:solidFill>
+          <a:schemeClr val="tx1"/>
+        </a:solidFill>
+        <a:latin typeface="+mn-lt"/>
+        <a:ea typeface="+mn-ea"/>
+        <a:cs typeface="+mn-cs"/>
+      </a:defRPr>
+    </a:lvl9pPr>
+  </p:notesStyle>
+</p:notesMaster>
+</file>
+
+<file path=ppt/notesSlides/notesSlide1.xml><?xml version="1.0" encoding="utf-8"?>
+<p:notes xmlns:a="http://schemas.openxmlformats.org/drawingml/2006/main" xmlns:r="http://schemas.openxmlformats.org/officeDocument/2006/relationships" xmlns:p="http://schemas.openxmlformats.org/presentationml/2006/main">
+  <p:cSld>
+    <p:spTree>
+      <p:nvGrpSpPr>
+        <p:cNvPr id="1" name=""/>
+        <p:cNvGrpSpPr/>
+        <p:nvPr/>
+      </p:nvGrpSpPr>
+      <p:grpSpPr/>
+      <p:sp>
+        <p:nvSpPr>
+          <p:cNvPr id="2" name="Slide Image Placeholder 1"/>
+          <p:cNvSpPr/>
+          <p:nvPr>
+            <p:ph type="sldImg" idx="2"/>
+          </p:nvPr>
+        </p:nvSpPr>
+        <p:spPr/>
+      </p:sp>
+      <p:sp>
+        <p:nvSpPr>
+          <p:cNvPr id="3" name="Text Placeholder 2"/>
+          <p:cNvSpPr/>
+          <p:nvPr>
+            <p:ph type="body" idx="3"/>
+          </p:nvPr>
+        </p:nvSpPr>
+        <p:spPr/>
+        <p:txBody>
+          <a:bodyPr/>
+          <a:p>
+            <a:endParaRPr lang="en-US"/>
+          </a:p>
+        </p:txBody>
+      </p:sp>
+      <p:sp>
+        <p:nvSpPr>
+          <p:cNvPr id="4" name="Slide Number Placeholder 3"/>
+          <p:cNvSpPr>
+            <a:spLocks noGrp="1"/>
+          </p:cNvSpPr>
+          <p:nvPr>
+            <p:ph type="sldNum" sz="quarter" idx="5"/>
+          </p:nvPr>
+        </p:nvSpPr>
+        <p:spPr/>
+        <p:txBody>
+          <a:bodyPr/>
+          <a:p>
+            <a:fld id="{21B2AA4F-B828-4D7C-AFD3-893933DAFCB4}" type="slidenum">
+              <a:rPr lang="en-US" smtClean="0"/>
+            </a:fld>
+            <a:endParaRPr lang="en-US"/>
+          </a:p>
+        </p:txBody>
+      </p:sp>
+    </p:spTree>
+  </p:cSld>
+  <p:clrMapOvr>
+    <a:masterClrMapping/>
+  </p:clrMapOvr>
+</p:notes>
 </file>
 
 <file path=ppt/slideLayouts/slideLayout1.xml><?xml version="1.0" encoding="utf-8"?>
@@ -148,7 +559,7 @@
             <a:spLocks noGrp="1"/>
           </p:cNvSpPr>
           <p:nvPr>
-            <p:ph type="ctrTitle"/>
+            <p:ph type="ctrTitle" hasCustomPrompt="1"/>
           </p:nvPr>
         </p:nvSpPr>
         <p:spPr>
@@ -180,7 +591,7 @@
             <a:spLocks noGrp="1"/>
           </p:cNvSpPr>
           <p:nvPr>
-            <p:ph type="subTitle" idx="1"/>
+            <p:ph type="subTitle" idx="1" hasCustomPrompt="1"/>
           </p:nvPr>
         </p:nvSpPr>
         <p:spPr>
@@ -255,7 +666,6 @@
           <a:p>
             <a:fld id="{330C2303-1DD5-854B-8B28-C889A213A5FE}" type="datetimeFigureOut">
               <a:rPr kumimoji="1" lang="zh-CN" altLang="en-US" smtClean="0"/>
-              <a:t>2017/1/14</a:t>
             </a:fld>
             <a:endParaRPr kumimoji="1" lang="zh-CN" altLang="en-US"/>
           </a:p>
@@ -297,18 +707,12 @@
           <a:p>
             <a:fld id="{1D3F1061-754B-4D47-9AF1-D9511B4B552F}" type="slidenum">
               <a:rPr kumimoji="1" lang="zh-CN" altLang="en-US" smtClean="0"/>
-              <a:t>‹#›</a:t>
             </a:fld>
             <a:endParaRPr kumimoji="1" lang="zh-CN" altLang="en-US"/>
           </a:p>
         </p:txBody>
       </p:sp>
     </p:spTree>
-    <p:extLst>
-      <p:ext uri="{BB962C8B-B14F-4D97-AF65-F5344CB8AC3E}">
-        <p14:creationId xmlns:p14="http://schemas.microsoft.com/office/powerpoint/2010/main" val="491760616"/>
-      </p:ext>
-    </p:extLst>
   </p:cSld>
   <p:clrMapOvr>
     <a:masterClrMapping/>
@@ -340,7 +744,7 @@
             <a:spLocks noGrp="1"/>
           </p:cNvSpPr>
           <p:nvPr>
-            <p:ph type="title"/>
+            <p:ph type="title" hasCustomPrompt="1"/>
           </p:nvPr>
         </p:nvSpPr>
         <p:spPr/>
@@ -363,7 +767,7 @@
             <a:spLocks noGrp="1"/>
           </p:cNvSpPr>
           <p:nvPr>
-            <p:ph type="body" orient="vert" idx="1"/>
+            <p:ph type="body" orient="vert" idx="1" hasCustomPrompt="1"/>
           </p:nvPr>
         </p:nvSpPr>
         <p:spPr/>
@@ -376,6 +780,7 @@
               <a:rPr kumimoji="1" lang="zh-CN" altLang="en-US" smtClean="0"/>
               <a:t>单击此处编辑母版文本样式</a:t>
             </a:r>
+            <a:endParaRPr kumimoji="1" lang="zh-CN" altLang="en-US" smtClean="0"/>
           </a:p>
           <a:p>
             <a:pPr lvl="1"/>
@@ -383,6 +788,7 @@
               <a:rPr kumimoji="1" lang="zh-CN" altLang="en-US" smtClean="0"/>
               <a:t>二级</a:t>
             </a:r>
+            <a:endParaRPr kumimoji="1" lang="zh-CN" altLang="en-US" smtClean="0"/>
           </a:p>
           <a:p>
             <a:pPr lvl="2"/>
@@ -390,6 +796,7 @@
               <a:rPr kumimoji="1" lang="zh-CN" altLang="en-US" smtClean="0"/>
               <a:t>三级</a:t>
             </a:r>
+            <a:endParaRPr kumimoji="1" lang="zh-CN" altLang="en-US" smtClean="0"/>
           </a:p>
           <a:p>
             <a:pPr lvl="3"/>
@@ -397,6 +804,7 @@
               <a:rPr kumimoji="1" lang="zh-CN" altLang="en-US" smtClean="0"/>
               <a:t>四级</a:t>
             </a:r>
+            <a:endParaRPr kumimoji="1" lang="zh-CN" altLang="en-US" smtClean="0"/>
           </a:p>
           <a:p>
             <a:pPr lvl="4"/>
@@ -425,7 +833,6 @@
           <a:p>
             <a:fld id="{330C2303-1DD5-854B-8B28-C889A213A5FE}" type="datetimeFigureOut">
               <a:rPr kumimoji="1" lang="zh-CN" altLang="en-US" smtClean="0"/>
-              <a:t>2017/1/14</a:t>
             </a:fld>
             <a:endParaRPr kumimoji="1" lang="zh-CN" altLang="en-US"/>
           </a:p>
@@ -467,18 +874,12 @@
           <a:p>
             <a:fld id="{1D3F1061-754B-4D47-9AF1-D9511B4B552F}" type="slidenum">
               <a:rPr kumimoji="1" lang="zh-CN" altLang="en-US" smtClean="0"/>
-              <a:t>‹#›</a:t>
             </a:fld>
             <a:endParaRPr kumimoji="1" lang="zh-CN" altLang="en-US"/>
           </a:p>
         </p:txBody>
       </p:sp>
     </p:spTree>
-    <p:extLst>
-      <p:ext uri="{BB962C8B-B14F-4D97-AF65-F5344CB8AC3E}">
-        <p14:creationId xmlns:p14="http://schemas.microsoft.com/office/powerpoint/2010/main" val="2106248522"/>
-      </p:ext>
-    </p:extLst>
   </p:cSld>
   <p:clrMapOvr>
     <a:masterClrMapping/>
@@ -510,7 +911,7 @@
             <a:spLocks noGrp="1"/>
           </p:cNvSpPr>
           <p:nvPr>
-            <p:ph type="title" orient="vert"/>
+            <p:ph type="title" orient="vert" hasCustomPrompt="1"/>
           </p:nvPr>
         </p:nvSpPr>
         <p:spPr>
@@ -538,7 +939,7 @@
             <a:spLocks noGrp="1"/>
           </p:cNvSpPr>
           <p:nvPr>
-            <p:ph type="body" orient="vert" idx="1"/>
+            <p:ph type="body" orient="vert" idx="1" hasCustomPrompt="1"/>
           </p:nvPr>
         </p:nvSpPr>
         <p:spPr>
@@ -556,6 +957,7 @@
               <a:rPr kumimoji="1" lang="zh-CN" altLang="en-US" smtClean="0"/>
               <a:t>单击此处编辑母版文本样式</a:t>
             </a:r>
+            <a:endParaRPr kumimoji="1" lang="zh-CN" altLang="en-US" smtClean="0"/>
           </a:p>
           <a:p>
             <a:pPr lvl="1"/>
@@ -563,6 +965,7 @@
               <a:rPr kumimoji="1" lang="zh-CN" altLang="en-US" smtClean="0"/>
               <a:t>二级</a:t>
             </a:r>
+            <a:endParaRPr kumimoji="1" lang="zh-CN" altLang="en-US" smtClean="0"/>
           </a:p>
           <a:p>
             <a:pPr lvl="2"/>
@@ -570,6 +973,7 @@
               <a:rPr kumimoji="1" lang="zh-CN" altLang="en-US" smtClean="0"/>
               <a:t>三级</a:t>
             </a:r>
+            <a:endParaRPr kumimoji="1" lang="zh-CN" altLang="en-US" smtClean="0"/>
           </a:p>
           <a:p>
             <a:pPr lvl="3"/>
@@ -577,6 +981,7 @@
               <a:rPr kumimoji="1" lang="zh-CN" altLang="en-US" smtClean="0"/>
               <a:t>四级</a:t>
             </a:r>
+            <a:endParaRPr kumimoji="1" lang="zh-CN" altLang="en-US" smtClean="0"/>
           </a:p>
           <a:p>
             <a:pPr lvl="4"/>
@@ -605,7 +1010,6 @@
           <a:p>
             <a:fld id="{330C2303-1DD5-854B-8B28-C889A213A5FE}" type="datetimeFigureOut">
               <a:rPr kumimoji="1" lang="zh-CN" altLang="en-US" smtClean="0"/>
-              <a:t>2017/1/14</a:t>
             </a:fld>
             <a:endParaRPr kumimoji="1" lang="zh-CN" altLang="en-US"/>
           </a:p>
@@ -647,18 +1051,12 @@
           <a:p>
             <a:fld id="{1D3F1061-754B-4D47-9AF1-D9511B4B552F}" type="slidenum">
               <a:rPr kumimoji="1" lang="zh-CN" altLang="en-US" smtClean="0"/>
-              <a:t>‹#›</a:t>
             </a:fld>
             <a:endParaRPr kumimoji="1" lang="zh-CN" altLang="en-US"/>
           </a:p>
         </p:txBody>
       </p:sp>
     </p:spTree>
-    <p:extLst>
-      <p:ext uri="{BB962C8B-B14F-4D97-AF65-F5344CB8AC3E}">
-        <p14:creationId xmlns:p14="http://schemas.microsoft.com/office/powerpoint/2010/main" val="598472106"/>
-      </p:ext>
-    </p:extLst>
   </p:cSld>
   <p:clrMapOvr>
     <a:masterClrMapping/>
@@ -690,7 +1088,7 @@
             <a:spLocks noGrp="1"/>
           </p:cNvSpPr>
           <p:nvPr>
-            <p:ph type="title"/>
+            <p:ph type="title" hasCustomPrompt="1"/>
           </p:nvPr>
         </p:nvSpPr>
         <p:spPr/>
@@ -713,7 +1111,7 @@
             <a:spLocks noGrp="1"/>
           </p:cNvSpPr>
           <p:nvPr>
-            <p:ph idx="1"/>
+            <p:ph idx="1" hasCustomPrompt="1"/>
           </p:nvPr>
         </p:nvSpPr>
         <p:spPr/>
@@ -726,6 +1124,7 @@
               <a:rPr kumimoji="1" lang="zh-CN" altLang="en-US" smtClean="0"/>
               <a:t>单击此处编辑母版文本样式</a:t>
             </a:r>
+            <a:endParaRPr kumimoji="1" lang="zh-CN" altLang="en-US" smtClean="0"/>
           </a:p>
           <a:p>
             <a:pPr lvl="1"/>
@@ -733,6 +1132,7 @@
               <a:rPr kumimoji="1" lang="zh-CN" altLang="en-US" smtClean="0"/>
               <a:t>二级</a:t>
             </a:r>
+            <a:endParaRPr kumimoji="1" lang="zh-CN" altLang="en-US" smtClean="0"/>
           </a:p>
           <a:p>
             <a:pPr lvl="2"/>
@@ -740,6 +1140,7 @@
               <a:rPr kumimoji="1" lang="zh-CN" altLang="en-US" smtClean="0"/>
               <a:t>三级</a:t>
             </a:r>
+            <a:endParaRPr kumimoji="1" lang="zh-CN" altLang="en-US" smtClean="0"/>
           </a:p>
           <a:p>
             <a:pPr lvl="3"/>
@@ -747,6 +1148,7 @@
               <a:rPr kumimoji="1" lang="zh-CN" altLang="en-US" smtClean="0"/>
               <a:t>四级</a:t>
             </a:r>
+            <a:endParaRPr kumimoji="1" lang="zh-CN" altLang="en-US" smtClean="0"/>
           </a:p>
           <a:p>
             <a:pPr lvl="4"/>
@@ -775,7 +1177,6 @@
           <a:p>
             <a:fld id="{330C2303-1DD5-854B-8B28-C889A213A5FE}" type="datetimeFigureOut">
               <a:rPr kumimoji="1" lang="zh-CN" altLang="en-US" smtClean="0"/>
-              <a:t>2017/1/14</a:t>
             </a:fld>
             <a:endParaRPr kumimoji="1" lang="zh-CN" altLang="en-US"/>
           </a:p>
@@ -817,18 +1218,12 @@
           <a:p>
             <a:fld id="{1D3F1061-754B-4D47-9AF1-D9511B4B552F}" type="slidenum">
               <a:rPr kumimoji="1" lang="zh-CN" altLang="en-US" smtClean="0"/>
-              <a:t>‹#›</a:t>
             </a:fld>
             <a:endParaRPr kumimoji="1" lang="zh-CN" altLang="en-US"/>
           </a:p>
         </p:txBody>
       </p:sp>
     </p:spTree>
-    <p:extLst>
-      <p:ext uri="{BB962C8B-B14F-4D97-AF65-F5344CB8AC3E}">
-        <p14:creationId xmlns:p14="http://schemas.microsoft.com/office/powerpoint/2010/main" val="1503599456"/>
-      </p:ext>
-    </p:extLst>
   </p:cSld>
   <p:clrMapOvr>
     <a:masterClrMapping/>
@@ -860,7 +1255,7 @@
             <a:spLocks noGrp="1"/>
           </p:cNvSpPr>
           <p:nvPr>
-            <p:ph type="title"/>
+            <p:ph type="title" hasCustomPrompt="1"/>
           </p:nvPr>
         </p:nvSpPr>
         <p:spPr>
@@ -892,7 +1287,7 @@
             <a:spLocks noGrp="1"/>
           </p:cNvSpPr>
           <p:nvPr>
-            <p:ph type="body" idx="1"/>
+            <p:ph type="body" idx="1" hasCustomPrompt="1"/>
           </p:nvPr>
         </p:nvSpPr>
         <p:spPr>
@@ -1021,7 +1416,6 @@
           <a:p>
             <a:fld id="{330C2303-1DD5-854B-8B28-C889A213A5FE}" type="datetimeFigureOut">
               <a:rPr kumimoji="1" lang="zh-CN" altLang="en-US" smtClean="0"/>
-              <a:t>2017/1/14</a:t>
             </a:fld>
             <a:endParaRPr kumimoji="1" lang="zh-CN" altLang="en-US"/>
           </a:p>
@@ -1063,18 +1457,12 @@
           <a:p>
             <a:fld id="{1D3F1061-754B-4D47-9AF1-D9511B4B552F}" type="slidenum">
               <a:rPr kumimoji="1" lang="zh-CN" altLang="en-US" smtClean="0"/>
-              <a:t>‹#›</a:t>
             </a:fld>
             <a:endParaRPr kumimoji="1" lang="zh-CN" altLang="en-US"/>
           </a:p>
         </p:txBody>
       </p:sp>
     </p:spTree>
-    <p:extLst>
-      <p:ext uri="{BB962C8B-B14F-4D97-AF65-F5344CB8AC3E}">
-        <p14:creationId xmlns:p14="http://schemas.microsoft.com/office/powerpoint/2010/main" val="1555982743"/>
-      </p:ext>
-    </p:extLst>
   </p:cSld>
   <p:clrMapOvr>
     <a:masterClrMapping/>
@@ -1106,7 +1494,7 @@
             <a:spLocks noGrp="1"/>
           </p:cNvSpPr>
           <p:nvPr>
-            <p:ph type="title"/>
+            <p:ph type="title" hasCustomPrompt="1"/>
           </p:nvPr>
         </p:nvSpPr>
         <p:spPr/>
@@ -1129,7 +1517,7 @@
             <a:spLocks noGrp="1"/>
           </p:cNvSpPr>
           <p:nvPr>
-            <p:ph sz="half" idx="1"/>
+            <p:ph sz="half" idx="1" hasCustomPrompt="1"/>
           </p:nvPr>
         </p:nvSpPr>
         <p:spPr>
@@ -1147,6 +1535,7 @@
               <a:rPr kumimoji="1" lang="zh-CN" altLang="en-US" smtClean="0"/>
               <a:t>单击此处编辑母版文本样式</a:t>
             </a:r>
+            <a:endParaRPr kumimoji="1" lang="zh-CN" altLang="en-US" smtClean="0"/>
           </a:p>
           <a:p>
             <a:pPr lvl="1"/>
@@ -1154,6 +1543,7 @@
               <a:rPr kumimoji="1" lang="zh-CN" altLang="en-US" smtClean="0"/>
               <a:t>二级</a:t>
             </a:r>
+            <a:endParaRPr kumimoji="1" lang="zh-CN" altLang="en-US" smtClean="0"/>
           </a:p>
           <a:p>
             <a:pPr lvl="2"/>
@@ -1161,6 +1551,7 @@
               <a:rPr kumimoji="1" lang="zh-CN" altLang="en-US" smtClean="0"/>
               <a:t>三级</a:t>
             </a:r>
+            <a:endParaRPr kumimoji="1" lang="zh-CN" altLang="en-US" smtClean="0"/>
           </a:p>
           <a:p>
             <a:pPr lvl="3"/>
@@ -1168,6 +1559,7 @@
               <a:rPr kumimoji="1" lang="zh-CN" altLang="en-US" smtClean="0"/>
               <a:t>四级</a:t>
             </a:r>
+            <a:endParaRPr kumimoji="1" lang="zh-CN" altLang="en-US" smtClean="0"/>
           </a:p>
           <a:p>
             <a:pPr lvl="4"/>
@@ -1186,7 +1578,7 @@
             <a:spLocks noGrp="1"/>
           </p:cNvSpPr>
           <p:nvPr>
-            <p:ph sz="half" idx="2"/>
+            <p:ph sz="half" idx="2" hasCustomPrompt="1"/>
           </p:nvPr>
         </p:nvSpPr>
         <p:spPr>
@@ -1204,6 +1596,7 @@
               <a:rPr kumimoji="1" lang="zh-CN" altLang="en-US" smtClean="0"/>
               <a:t>单击此处编辑母版文本样式</a:t>
             </a:r>
+            <a:endParaRPr kumimoji="1" lang="zh-CN" altLang="en-US" smtClean="0"/>
           </a:p>
           <a:p>
             <a:pPr lvl="1"/>
@@ -1211,6 +1604,7 @@
               <a:rPr kumimoji="1" lang="zh-CN" altLang="en-US" smtClean="0"/>
               <a:t>二级</a:t>
             </a:r>
+            <a:endParaRPr kumimoji="1" lang="zh-CN" altLang="en-US" smtClean="0"/>
           </a:p>
           <a:p>
             <a:pPr lvl="2"/>
@@ -1218,6 +1612,7 @@
               <a:rPr kumimoji="1" lang="zh-CN" altLang="en-US" smtClean="0"/>
               <a:t>三级</a:t>
             </a:r>
+            <a:endParaRPr kumimoji="1" lang="zh-CN" altLang="en-US" smtClean="0"/>
           </a:p>
           <a:p>
             <a:pPr lvl="3"/>
@@ -1225,6 +1620,7 @@
               <a:rPr kumimoji="1" lang="zh-CN" altLang="en-US" smtClean="0"/>
               <a:t>四级</a:t>
             </a:r>
+            <a:endParaRPr kumimoji="1" lang="zh-CN" altLang="en-US" smtClean="0"/>
           </a:p>
           <a:p>
             <a:pPr lvl="4"/>
@@ -1253,7 +1649,6 @@
           <a:p>
             <a:fld id="{330C2303-1DD5-854B-8B28-C889A213A5FE}" type="datetimeFigureOut">
               <a:rPr kumimoji="1" lang="zh-CN" altLang="en-US" smtClean="0"/>
-              <a:t>2017/1/14</a:t>
             </a:fld>
             <a:endParaRPr kumimoji="1" lang="zh-CN" altLang="en-US"/>
           </a:p>
@@ -1295,18 +1690,12 @@
           <a:p>
             <a:fld id="{1D3F1061-754B-4D47-9AF1-D9511B4B552F}" type="slidenum">
               <a:rPr kumimoji="1" lang="zh-CN" altLang="en-US" smtClean="0"/>
-              <a:t>‹#›</a:t>
             </a:fld>
             <a:endParaRPr kumimoji="1" lang="zh-CN" altLang="en-US"/>
           </a:p>
         </p:txBody>
       </p:sp>
     </p:spTree>
-    <p:extLst>
-      <p:ext uri="{BB962C8B-B14F-4D97-AF65-F5344CB8AC3E}">
-        <p14:creationId xmlns:p14="http://schemas.microsoft.com/office/powerpoint/2010/main" val="1493592082"/>
-      </p:ext>
-    </p:extLst>
   </p:cSld>
   <p:clrMapOvr>
     <a:masterClrMapping/>
@@ -1338,7 +1727,7 @@
             <a:spLocks noGrp="1"/>
           </p:cNvSpPr>
           <p:nvPr>
-            <p:ph type="title"/>
+            <p:ph type="title" hasCustomPrompt="1"/>
           </p:nvPr>
         </p:nvSpPr>
         <p:spPr>
@@ -1366,7 +1755,7 @@
             <a:spLocks noGrp="1"/>
           </p:cNvSpPr>
           <p:nvPr>
-            <p:ph type="body" idx="1"/>
+            <p:ph type="body" idx="1" hasCustomPrompt="1"/>
           </p:nvPr>
         </p:nvSpPr>
         <p:spPr>
@@ -1431,7 +1820,7 @@
             <a:spLocks noGrp="1"/>
           </p:cNvSpPr>
           <p:nvPr>
-            <p:ph sz="half" idx="2"/>
+            <p:ph sz="half" idx="2" hasCustomPrompt="1"/>
           </p:nvPr>
         </p:nvSpPr>
         <p:spPr>
@@ -1449,6 +1838,7 @@
               <a:rPr kumimoji="1" lang="zh-CN" altLang="en-US" smtClean="0"/>
               <a:t>单击此处编辑母版文本样式</a:t>
             </a:r>
+            <a:endParaRPr kumimoji="1" lang="zh-CN" altLang="en-US" smtClean="0"/>
           </a:p>
           <a:p>
             <a:pPr lvl="1"/>
@@ -1456,6 +1846,7 @@
               <a:rPr kumimoji="1" lang="zh-CN" altLang="en-US" smtClean="0"/>
               <a:t>二级</a:t>
             </a:r>
+            <a:endParaRPr kumimoji="1" lang="zh-CN" altLang="en-US" smtClean="0"/>
           </a:p>
           <a:p>
             <a:pPr lvl="2"/>
@@ -1463,6 +1854,7 @@
               <a:rPr kumimoji="1" lang="zh-CN" altLang="en-US" smtClean="0"/>
               <a:t>三级</a:t>
             </a:r>
+            <a:endParaRPr kumimoji="1" lang="zh-CN" altLang="en-US" smtClean="0"/>
           </a:p>
           <a:p>
             <a:pPr lvl="3"/>
@@ -1470,6 +1862,7 @@
               <a:rPr kumimoji="1" lang="zh-CN" altLang="en-US" smtClean="0"/>
               <a:t>四级</a:t>
             </a:r>
+            <a:endParaRPr kumimoji="1" lang="zh-CN" altLang="en-US" smtClean="0"/>
           </a:p>
           <a:p>
             <a:pPr lvl="4"/>
@@ -1488,7 +1881,7 @@
             <a:spLocks noGrp="1"/>
           </p:cNvSpPr>
           <p:nvPr>
-            <p:ph type="body" sz="quarter" idx="3"/>
+            <p:ph type="body" sz="quarter" idx="3" hasCustomPrompt="1"/>
           </p:nvPr>
         </p:nvSpPr>
         <p:spPr>
@@ -1553,7 +1946,7 @@
             <a:spLocks noGrp="1"/>
           </p:cNvSpPr>
           <p:nvPr>
-            <p:ph sz="quarter" idx="4"/>
+            <p:ph sz="quarter" idx="4" hasCustomPrompt="1"/>
           </p:nvPr>
         </p:nvSpPr>
         <p:spPr>
@@ -1571,6 +1964,7 @@
               <a:rPr kumimoji="1" lang="zh-CN" altLang="en-US" smtClean="0"/>
               <a:t>单击此处编辑母版文本样式</a:t>
             </a:r>
+            <a:endParaRPr kumimoji="1" lang="zh-CN" altLang="en-US" smtClean="0"/>
           </a:p>
           <a:p>
             <a:pPr lvl="1"/>
@@ -1578,6 +1972,7 @@
               <a:rPr kumimoji="1" lang="zh-CN" altLang="en-US" smtClean="0"/>
               <a:t>二级</a:t>
             </a:r>
+            <a:endParaRPr kumimoji="1" lang="zh-CN" altLang="en-US" smtClean="0"/>
           </a:p>
           <a:p>
             <a:pPr lvl="2"/>
@@ -1585,6 +1980,7 @@
               <a:rPr kumimoji="1" lang="zh-CN" altLang="en-US" smtClean="0"/>
               <a:t>三级</a:t>
             </a:r>
+            <a:endParaRPr kumimoji="1" lang="zh-CN" altLang="en-US" smtClean="0"/>
           </a:p>
           <a:p>
             <a:pPr lvl="3"/>
@@ -1592,6 +1988,7 @@
               <a:rPr kumimoji="1" lang="zh-CN" altLang="en-US" smtClean="0"/>
               <a:t>四级</a:t>
             </a:r>
+            <a:endParaRPr kumimoji="1" lang="zh-CN" altLang="en-US" smtClean="0"/>
           </a:p>
           <a:p>
             <a:pPr lvl="4"/>
@@ -1620,7 +2017,6 @@
           <a:p>
             <a:fld id="{330C2303-1DD5-854B-8B28-C889A213A5FE}" type="datetimeFigureOut">
               <a:rPr kumimoji="1" lang="zh-CN" altLang="en-US" smtClean="0"/>
-              <a:t>2017/1/14</a:t>
             </a:fld>
             <a:endParaRPr kumimoji="1" lang="zh-CN" altLang="en-US"/>
           </a:p>
@@ -1662,18 +2058,12 @@
           <a:p>
             <a:fld id="{1D3F1061-754B-4D47-9AF1-D9511B4B552F}" type="slidenum">
               <a:rPr kumimoji="1" lang="zh-CN" altLang="en-US" smtClean="0"/>
-              <a:t>‹#›</a:t>
             </a:fld>
             <a:endParaRPr kumimoji="1" lang="zh-CN" altLang="en-US"/>
           </a:p>
         </p:txBody>
       </p:sp>
     </p:spTree>
-    <p:extLst>
-      <p:ext uri="{BB962C8B-B14F-4D97-AF65-F5344CB8AC3E}">
-        <p14:creationId xmlns:p14="http://schemas.microsoft.com/office/powerpoint/2010/main" val="865772391"/>
-      </p:ext>
-    </p:extLst>
   </p:cSld>
   <p:clrMapOvr>
     <a:masterClrMapping/>
@@ -1712,7 +2102,7 @@
             <a:spLocks noGrp="1"/>
           </p:cNvSpPr>
           <p:nvPr>
-            <p:ph type="title"/>
+            <p:ph type="title" hasCustomPrompt="1"/>
           </p:nvPr>
         </p:nvSpPr>
         <p:spPr/>
@@ -1745,7 +2135,6 @@
           <a:p>
             <a:fld id="{330C2303-1DD5-854B-8B28-C889A213A5FE}" type="datetimeFigureOut">
               <a:rPr kumimoji="1" lang="zh-CN" altLang="en-US" smtClean="0"/>
-              <a:t>2017/1/14</a:t>
             </a:fld>
             <a:endParaRPr kumimoji="1" lang="zh-CN" altLang="en-US"/>
           </a:p>
@@ -1787,18 +2176,12 @@
           <a:p>
             <a:fld id="{1D3F1061-754B-4D47-9AF1-D9511B4B552F}" type="slidenum">
               <a:rPr kumimoji="1" lang="zh-CN" altLang="en-US" smtClean="0"/>
-              <a:t>‹#›</a:t>
             </a:fld>
             <a:endParaRPr kumimoji="1" lang="zh-CN" altLang="en-US"/>
           </a:p>
         </p:txBody>
       </p:sp>
     </p:spTree>
-    <p:extLst>
-      <p:ext uri="{BB962C8B-B14F-4D97-AF65-F5344CB8AC3E}">
-        <p14:creationId xmlns:p14="http://schemas.microsoft.com/office/powerpoint/2010/main" val="1834867112"/>
-      </p:ext>
-    </p:extLst>
   </p:cSld>
   <p:clrMapOvr>
     <a:masterClrMapping/>
@@ -1840,7 +2223,6 @@
           <a:p>
             <a:fld id="{330C2303-1DD5-854B-8B28-C889A213A5FE}" type="datetimeFigureOut">
               <a:rPr kumimoji="1" lang="zh-CN" altLang="en-US" smtClean="0"/>
-              <a:t>2017/1/14</a:t>
             </a:fld>
             <a:endParaRPr kumimoji="1" lang="zh-CN" altLang="en-US"/>
           </a:p>
@@ -1882,18 +2264,12 @@
           <a:p>
             <a:fld id="{1D3F1061-754B-4D47-9AF1-D9511B4B552F}" type="slidenum">
               <a:rPr kumimoji="1" lang="zh-CN" altLang="en-US" smtClean="0"/>
-              <a:t>‹#›</a:t>
             </a:fld>
             <a:endParaRPr kumimoji="1" lang="zh-CN" altLang="en-US"/>
           </a:p>
         </p:txBody>
       </p:sp>
     </p:spTree>
-    <p:extLst>
-      <p:ext uri="{BB962C8B-B14F-4D97-AF65-F5344CB8AC3E}">
-        <p14:creationId xmlns:p14="http://schemas.microsoft.com/office/powerpoint/2010/main" val="746380464"/>
-      </p:ext>
-    </p:extLst>
   </p:cSld>
   <p:clrMapOvr>
     <a:masterClrMapping/>
@@ -1925,7 +2301,7 @@
             <a:spLocks noGrp="1"/>
           </p:cNvSpPr>
           <p:nvPr>
-            <p:ph type="title"/>
+            <p:ph type="title" hasCustomPrompt="1"/>
           </p:nvPr>
         </p:nvSpPr>
         <p:spPr>
@@ -1957,7 +2333,7 @@
             <a:spLocks noGrp="1"/>
           </p:cNvSpPr>
           <p:nvPr>
-            <p:ph idx="1"/>
+            <p:ph idx="1" hasCustomPrompt="1"/>
           </p:nvPr>
         </p:nvSpPr>
         <p:spPr>
@@ -2003,6 +2379,7 @@
               <a:rPr kumimoji="1" lang="zh-CN" altLang="en-US" smtClean="0"/>
               <a:t>单击此处编辑母版文本样式</a:t>
             </a:r>
+            <a:endParaRPr kumimoji="1" lang="zh-CN" altLang="en-US" smtClean="0"/>
           </a:p>
           <a:p>
             <a:pPr lvl="1"/>
@@ -2010,6 +2387,7 @@
               <a:rPr kumimoji="1" lang="zh-CN" altLang="en-US" smtClean="0"/>
               <a:t>二级</a:t>
             </a:r>
+            <a:endParaRPr kumimoji="1" lang="zh-CN" altLang="en-US" smtClean="0"/>
           </a:p>
           <a:p>
             <a:pPr lvl="2"/>
@@ -2017,6 +2395,7 @@
               <a:rPr kumimoji="1" lang="zh-CN" altLang="en-US" smtClean="0"/>
               <a:t>三级</a:t>
             </a:r>
+            <a:endParaRPr kumimoji="1" lang="zh-CN" altLang="en-US" smtClean="0"/>
           </a:p>
           <a:p>
             <a:pPr lvl="3"/>
@@ -2024,6 +2403,7 @@
               <a:rPr kumimoji="1" lang="zh-CN" altLang="en-US" smtClean="0"/>
               <a:t>四级</a:t>
             </a:r>
+            <a:endParaRPr kumimoji="1" lang="zh-CN" altLang="en-US" smtClean="0"/>
           </a:p>
           <a:p>
             <a:pPr lvl="4"/>
@@ -2042,7 +2422,7 @@
             <a:spLocks noGrp="1"/>
           </p:cNvSpPr>
           <p:nvPr>
-            <p:ph type="body" sz="half" idx="2"/>
+            <p:ph type="body" sz="half" idx="2" hasCustomPrompt="1"/>
           </p:nvPr>
         </p:nvSpPr>
         <p:spPr>
@@ -2117,7 +2497,6 @@
           <a:p>
             <a:fld id="{330C2303-1DD5-854B-8B28-C889A213A5FE}" type="datetimeFigureOut">
               <a:rPr kumimoji="1" lang="zh-CN" altLang="en-US" smtClean="0"/>
-              <a:t>2017/1/14</a:t>
             </a:fld>
             <a:endParaRPr kumimoji="1" lang="zh-CN" altLang="en-US"/>
           </a:p>
@@ -2159,18 +2538,12 @@
           <a:p>
             <a:fld id="{1D3F1061-754B-4D47-9AF1-D9511B4B552F}" type="slidenum">
               <a:rPr kumimoji="1" lang="zh-CN" altLang="en-US" smtClean="0"/>
-              <a:t>‹#›</a:t>
             </a:fld>
             <a:endParaRPr kumimoji="1" lang="zh-CN" altLang="en-US"/>
           </a:p>
         </p:txBody>
       </p:sp>
     </p:spTree>
-    <p:extLst>
-      <p:ext uri="{BB962C8B-B14F-4D97-AF65-F5344CB8AC3E}">
-        <p14:creationId xmlns:p14="http://schemas.microsoft.com/office/powerpoint/2010/main" val="964476321"/>
-      </p:ext>
-    </p:extLst>
   </p:cSld>
   <p:clrMapOvr>
     <a:masterClrMapping/>
@@ -2202,7 +2575,7 @@
             <a:spLocks noGrp="1"/>
           </p:cNvSpPr>
           <p:nvPr>
-            <p:ph type="title"/>
+            <p:ph type="title" hasCustomPrompt="1"/>
           </p:nvPr>
         </p:nvSpPr>
         <p:spPr>
@@ -2295,7 +2668,7 @@
             <a:spLocks noGrp="1"/>
           </p:cNvSpPr>
           <p:nvPr>
-            <p:ph type="body" sz="half" idx="2"/>
+            <p:ph type="body" sz="half" idx="2" hasCustomPrompt="1"/>
           </p:nvPr>
         </p:nvSpPr>
         <p:spPr>
@@ -2370,7 +2743,6 @@
           <a:p>
             <a:fld id="{330C2303-1DD5-854B-8B28-C889A213A5FE}" type="datetimeFigureOut">
               <a:rPr kumimoji="1" lang="zh-CN" altLang="en-US" smtClean="0"/>
-              <a:t>2017/1/14</a:t>
             </a:fld>
             <a:endParaRPr kumimoji="1" lang="zh-CN" altLang="en-US"/>
           </a:p>
@@ -2412,18 +2784,12 @@
           <a:p>
             <a:fld id="{1D3F1061-754B-4D47-9AF1-D9511B4B552F}" type="slidenum">
               <a:rPr kumimoji="1" lang="zh-CN" altLang="en-US" smtClean="0"/>
-              <a:t>‹#›</a:t>
             </a:fld>
             <a:endParaRPr kumimoji="1" lang="zh-CN" altLang="en-US"/>
           </a:p>
         </p:txBody>
       </p:sp>
     </p:spTree>
-    <p:extLst>
-      <p:ext uri="{BB962C8B-B14F-4D97-AF65-F5344CB8AC3E}">
-        <p14:creationId xmlns:p14="http://schemas.microsoft.com/office/powerpoint/2010/main" val="746959491"/>
-      </p:ext>
-    </p:extLst>
   </p:cSld>
   <p:clrMapOvr>
     <a:masterClrMapping/>
@@ -2516,6 +2882,7 @@
               <a:rPr kumimoji="1" lang="zh-CN" altLang="en-US" smtClean="0"/>
               <a:t>单击此处编辑母版文本样式</a:t>
             </a:r>
+            <a:endParaRPr kumimoji="1" lang="zh-CN" altLang="en-US" smtClean="0"/>
           </a:p>
           <a:p>
             <a:pPr lvl="1"/>
@@ -2523,6 +2890,7 @@
               <a:rPr kumimoji="1" lang="zh-CN" altLang="en-US" smtClean="0"/>
               <a:t>二级</a:t>
             </a:r>
+            <a:endParaRPr kumimoji="1" lang="zh-CN" altLang="en-US" smtClean="0"/>
           </a:p>
           <a:p>
             <a:pPr lvl="2"/>
@@ -2530,6 +2898,7 @@
               <a:rPr kumimoji="1" lang="zh-CN" altLang="en-US" smtClean="0"/>
               <a:t>三级</a:t>
             </a:r>
+            <a:endParaRPr kumimoji="1" lang="zh-CN" altLang="en-US" smtClean="0"/>
           </a:p>
           <a:p>
             <a:pPr lvl="3"/>
@@ -2537,6 +2906,7 @@
               <a:rPr kumimoji="1" lang="zh-CN" altLang="en-US" smtClean="0"/>
               <a:t>四级</a:t>
             </a:r>
+            <a:endParaRPr kumimoji="1" lang="zh-CN" altLang="en-US" smtClean="0"/>
           </a:p>
           <a:p>
             <a:pPr lvl="4"/>
@@ -2583,7 +2953,6 @@
           <a:p>
             <a:fld id="{330C2303-1DD5-854B-8B28-C889A213A5FE}" type="datetimeFigureOut">
               <a:rPr kumimoji="1" lang="zh-CN" altLang="en-US" smtClean="0"/>
-              <a:t>2017/1/14</a:t>
             </a:fld>
             <a:endParaRPr kumimoji="1" lang="zh-CN" altLang="en-US"/>
           </a:p>
@@ -2661,18 +3030,12 @@
           <a:p>
             <a:fld id="{1D3F1061-754B-4D47-9AF1-D9511B4B552F}" type="slidenum">
               <a:rPr kumimoji="1" lang="zh-CN" altLang="en-US" smtClean="0"/>
-              <a:t>‹#›</a:t>
             </a:fld>
             <a:endParaRPr kumimoji="1" lang="zh-CN" altLang="en-US"/>
           </a:p>
         </p:txBody>
       </p:sp>
     </p:spTree>
-    <p:extLst>
-      <p:ext uri="{BB962C8B-B14F-4D97-AF65-F5344CB8AC3E}">
-        <p14:creationId xmlns:p14="http://schemas.microsoft.com/office/powerpoint/2010/main" val="579097260"/>
-      </p:ext>
-    </p:extLst>
   </p:cSld>
   <p:clrMap bg1="lt1" tx1="dk1" bg2="lt2" tx2="dk2" accent1="accent1" accent2="accent2" accent3="accent3" accent4="accent4" accent5="accent5" accent6="accent6" hlink="hlink" folHlink="folHlink"/>
   <p:sldLayoutIdLst>
@@ -2716,7 +3079,7 @@
         <a:spcBef>
           <a:spcPts val="1000"/>
         </a:spcBef>
-        <a:buFont typeface="Arial"/>
+        <a:buFont typeface="Arial" charset="0"/>
         <a:buChar char="•"/>
         <a:defRPr sz="2800" kern="1200">
           <a:solidFill>
@@ -2734,7 +3097,7 @@
         <a:spcBef>
           <a:spcPts val="500"/>
         </a:spcBef>
-        <a:buFont typeface="Arial"/>
+        <a:buFont typeface="Arial" charset="0"/>
         <a:buChar char="•"/>
         <a:defRPr sz="2400" kern="1200">
           <a:solidFill>
@@ -2752,7 +3115,7 @@
         <a:spcBef>
           <a:spcPts val="500"/>
         </a:spcBef>
-        <a:buFont typeface="Arial"/>
+        <a:buFont typeface="Arial" charset="0"/>
         <a:buChar char="•"/>
         <a:defRPr sz="2000" kern="1200">
           <a:solidFill>
@@ -2770,7 +3133,7 @@
         <a:spcBef>
           <a:spcPts val="500"/>
         </a:spcBef>
-        <a:buFont typeface="Arial"/>
+        <a:buFont typeface="Arial" charset="0"/>
         <a:buChar char="•"/>
         <a:defRPr sz="1800" kern="1200">
           <a:solidFill>
@@ -2788,7 +3151,7 @@
         <a:spcBef>
           <a:spcPts val="500"/>
         </a:spcBef>
-        <a:buFont typeface="Arial"/>
+        <a:buFont typeface="Arial" charset="0"/>
         <a:buChar char="•"/>
         <a:defRPr sz="1800" kern="1200">
           <a:solidFill>
@@ -2806,7 +3169,7 @@
         <a:spcBef>
           <a:spcPts val="500"/>
         </a:spcBef>
-        <a:buFont typeface="Arial"/>
+        <a:buFont typeface="Arial" charset="0"/>
         <a:buChar char="•"/>
         <a:defRPr sz="1800" kern="1200">
           <a:solidFill>
@@ -2824,7 +3187,7 @@
         <a:spcBef>
           <a:spcPts val="500"/>
         </a:spcBef>
-        <a:buFont typeface="Arial"/>
+        <a:buFont typeface="Arial" charset="0"/>
         <a:buChar char="•"/>
         <a:defRPr sz="1800" kern="1200">
           <a:solidFill>
@@ -2842,7 +3205,7 @@
         <a:spcBef>
           <a:spcPts val="500"/>
         </a:spcBef>
-        <a:buFont typeface="Arial"/>
+        <a:buFont typeface="Arial" charset="0"/>
         <a:buChar char="•"/>
         <a:defRPr sz="1800" kern="1200">
           <a:solidFill>
@@ -2860,7 +3223,7 @@
         <a:spcBef>
           <a:spcPts val="500"/>
         </a:spcBef>
-        <a:buFont typeface="Arial"/>
+        <a:buFont typeface="Arial" charset="0"/>
         <a:buChar char="•"/>
         <a:defRPr sz="1800" kern="1200">
           <a:solidFill>
@@ -3049,11 +3412,6 @@
         </p:txBody>
       </p:sp>
     </p:spTree>
-    <p:extLst>
-      <p:ext uri="{BB962C8B-B14F-4D97-AF65-F5344CB8AC3E}">
-        <p14:creationId xmlns:p14="http://schemas.microsoft.com/office/powerpoint/2010/main" val="190315435"/>
-      </p:ext>
-    </p:extLst>
   </p:cSld>
   <p:clrMapOvr>
     <a:masterClrMapping/>
@@ -3109,12 +3467,22 @@
               <a:t> </a:t>
             </a:r>
             <a:r>
-              <a:rPr kumimoji="1" lang="mr-IN" altLang="zh-CN" dirty="0" smtClean="0"/>
+              <a:rPr kumimoji="1" lang="en-US" altLang="zh-CN" dirty="0" smtClean="0"/>
               <a:t>–</a:t>
             </a:r>
             <a:r>
               <a:rPr kumimoji="1" lang="zh-CN" altLang="en-US" dirty="0" smtClean="0"/>
-              <a:t> （排序方案，</a:t>
+              <a:t> （</a:t>
+            </a:r>
+            <a:r>
+              <a:rPr kumimoji="1" lang="zh-CN" altLang="en-US" dirty="0" smtClean="0">
+                <a:sym typeface="+mn-ea"/>
+              </a:rPr>
+              <a:t>代理</a:t>
+            </a:r>
+            <a:r>
+              <a:rPr kumimoji="1" lang="zh-CN" altLang="en-US" dirty="0" smtClean="0"/>
+              <a:t>方案，</a:t>
             </a:r>
             <a:r>
               <a:rPr kumimoji="1" lang="en-US" altLang="zh-CN" dirty="0" smtClean="0"/>
@@ -3153,71 +3521,80 @@
       </p:sp>
       <p:sp>
         <p:nvSpPr>
-          <p:cNvPr id="3" name="内容占位符 2"/>
-          <p:cNvSpPr>
-            <a:spLocks noGrp="1"/>
-          </p:cNvSpPr>
+          <p:cNvPr id="5" name="文本占位符 4"/>
+          <p:cNvSpPr>
+            <a:spLocks noGrp="1"/>
+          </p:cNvSpPr>
+          <p:nvPr>
+            <p:ph type="body" sz="quarter" idx="3"/>
+          </p:nvPr>
+        </p:nvSpPr>
+        <p:spPr/>
+        <p:txBody>
+          <a:bodyPr/>
+          <a:lstStyle/>
+          <a:p>
+            <a:r>
+              <a:rPr kumimoji="1" lang="zh-CN" altLang="en-US" dirty="0" smtClean="0"/>
+              <a:t>时延测试</a:t>
+            </a:r>
+            <a:endParaRPr kumimoji="1" lang="zh-CN" altLang="en-US" dirty="0"/>
+          </a:p>
+        </p:txBody>
+      </p:sp>
+      <p:pic>
+        <p:nvPicPr>
+          <p:cNvPr id="7" name="Content Placeholder 6"/>
+          <p:cNvPicPr>
+            <a:picLocks noChangeAspect="1"/>
+          </p:cNvPicPr>
           <p:nvPr>
             <p:ph sz="half" idx="2"/>
           </p:nvPr>
-        </p:nvSpPr>
-        <p:spPr/>
-        <p:txBody>
-          <a:bodyPr/>
-          <a:lstStyle/>
-          <a:p>
-            <a:endParaRPr kumimoji="1" lang="en-US" altLang="zh-CN" dirty="0" smtClean="0"/>
-          </a:p>
-        </p:txBody>
-      </p:sp>
-      <p:sp>
-        <p:nvSpPr>
-          <p:cNvPr id="5" name="文本占位符 4"/>
-          <p:cNvSpPr>
-            <a:spLocks noGrp="1"/>
-          </p:cNvSpPr>
-          <p:nvPr>
-            <p:ph type="body" sz="quarter" idx="3"/>
-          </p:nvPr>
-        </p:nvSpPr>
-        <p:spPr/>
-        <p:txBody>
-          <a:bodyPr/>
-          <a:lstStyle/>
-          <a:p>
-            <a:r>
-              <a:rPr kumimoji="1" lang="zh-CN" altLang="en-US" dirty="0" smtClean="0"/>
-              <a:t>时延测试</a:t>
-            </a:r>
-            <a:endParaRPr kumimoji="1" lang="zh-CN" altLang="en-US" dirty="0"/>
-          </a:p>
-        </p:txBody>
-      </p:sp>
-      <p:sp>
-        <p:nvSpPr>
-          <p:cNvPr id="6" name="内容占位符 5"/>
-          <p:cNvSpPr>
-            <a:spLocks noGrp="1"/>
-          </p:cNvSpPr>
+        </p:nvPicPr>
+        <p:blipFill>
+          <a:blip r:embed="rId1"/>
+          <a:stretch>
+            <a:fillRect/>
+          </a:stretch>
+        </p:blipFill>
+        <p:spPr>
+          <a:xfrm>
+            <a:off x="840105" y="2552065"/>
+            <a:ext cx="5157470" cy="3590290"/>
+          </a:xfrm>
+          <a:prstGeom prst="rect">
+            <a:avLst/>
+          </a:prstGeom>
+        </p:spPr>
+      </p:pic>
+      <p:pic>
+        <p:nvPicPr>
+          <p:cNvPr id="8" name="Content Placeholder 7"/>
+          <p:cNvPicPr>
+            <a:picLocks noChangeAspect="1"/>
+          </p:cNvPicPr>
           <p:nvPr>
             <p:ph sz="quarter" idx="4"/>
           </p:nvPr>
-        </p:nvSpPr>
-        <p:spPr/>
-        <p:txBody>
-          <a:bodyPr/>
-          <a:lstStyle/>
-          <a:p>
-            <a:endParaRPr kumimoji="1" lang="zh-CN" altLang="en-US"/>
-          </a:p>
-        </p:txBody>
-      </p:sp>
+        </p:nvPicPr>
+        <p:blipFill>
+          <a:blip r:embed="rId2"/>
+          <a:stretch>
+            <a:fillRect/>
+          </a:stretch>
+        </p:blipFill>
+        <p:spPr>
+          <a:xfrm>
+            <a:off x="6172200" y="2583180"/>
+            <a:ext cx="5183505" cy="3527425"/>
+          </a:xfrm>
+          <a:prstGeom prst="rect">
+            <a:avLst/>
+          </a:prstGeom>
+        </p:spPr>
+      </p:pic>
     </p:spTree>
-    <p:extLst>
-      <p:ext uri="{BB962C8B-B14F-4D97-AF65-F5344CB8AC3E}">
-        <p14:creationId xmlns:p14="http://schemas.microsoft.com/office/powerpoint/2010/main" val="2084629775"/>
-      </p:ext>
-    </p:extLst>
   </p:cSld>
   <p:clrMapOvr>
     <a:masterClrMapping/>
@@ -3261,7 +3638,9 @@
         </p:nvSpPr>
         <p:spPr/>
         <p:txBody>
-          <a:bodyPr/>
+          <a:bodyPr>
+            <a:normAutofit/>
+          </a:bodyPr>
           <a:lstStyle/>
           <a:p>
             <a:r>
@@ -3273,12 +3652,22 @@
               <a:t> </a:t>
             </a:r>
             <a:r>
-              <a:rPr kumimoji="1" lang="mr-IN" altLang="zh-CN" dirty="0" smtClean="0"/>
+              <a:rPr kumimoji="1" lang="en-US" altLang="zh-CN" dirty="0" smtClean="0"/>
               <a:t>–</a:t>
             </a:r>
             <a:r>
               <a:rPr kumimoji="1" lang="zh-CN" altLang="en-US" dirty="0" smtClean="0"/>
-              <a:t> （排序方案，</a:t>
+              <a:t> （</a:t>
+            </a:r>
+            <a:r>
+              <a:rPr kumimoji="1" lang="zh-CN" altLang="en-US" dirty="0" smtClean="0">
+                <a:sym typeface="+mn-ea"/>
+              </a:rPr>
+              <a:t>代理</a:t>
+            </a:r>
+            <a:r>
+              <a:rPr kumimoji="1" lang="zh-CN" altLang="en-US" dirty="0" smtClean="0"/>
+              <a:t>方案，</a:t>
             </a:r>
             <a:r>
               <a:rPr kumimoji="1" lang="en-US" altLang="zh-CN" dirty="0" smtClean="0"/>
@@ -3317,71 +3706,80 @@
       </p:sp>
       <p:sp>
         <p:nvSpPr>
-          <p:cNvPr id="3" name="内容占位符 2"/>
-          <p:cNvSpPr>
-            <a:spLocks noGrp="1"/>
-          </p:cNvSpPr>
+          <p:cNvPr id="5" name="文本占位符 4"/>
+          <p:cNvSpPr>
+            <a:spLocks noGrp="1"/>
+          </p:cNvSpPr>
+          <p:nvPr>
+            <p:ph type="body" sz="quarter" idx="3"/>
+          </p:nvPr>
+        </p:nvSpPr>
+        <p:spPr/>
+        <p:txBody>
+          <a:bodyPr/>
+          <a:lstStyle/>
+          <a:p>
+            <a:r>
+              <a:rPr kumimoji="1" lang="zh-CN" altLang="en-US" dirty="0" smtClean="0"/>
+              <a:t>时延测试</a:t>
+            </a:r>
+            <a:endParaRPr kumimoji="1" lang="zh-CN" altLang="en-US" dirty="0"/>
+          </a:p>
+        </p:txBody>
+      </p:sp>
+      <p:pic>
+        <p:nvPicPr>
+          <p:cNvPr id="7" name="Content Placeholder 6"/>
+          <p:cNvPicPr>
+            <a:picLocks noChangeAspect="1"/>
+          </p:cNvPicPr>
           <p:nvPr>
             <p:ph sz="half" idx="2"/>
           </p:nvPr>
-        </p:nvSpPr>
-        <p:spPr/>
-        <p:txBody>
-          <a:bodyPr/>
-          <a:lstStyle/>
-          <a:p>
-            <a:endParaRPr kumimoji="1" lang="en-US" altLang="zh-CN" dirty="0" smtClean="0"/>
-          </a:p>
-        </p:txBody>
-      </p:sp>
-      <p:sp>
-        <p:nvSpPr>
-          <p:cNvPr id="5" name="文本占位符 4"/>
-          <p:cNvSpPr>
-            <a:spLocks noGrp="1"/>
-          </p:cNvSpPr>
-          <p:nvPr>
-            <p:ph type="body" sz="quarter" idx="3"/>
-          </p:nvPr>
-        </p:nvSpPr>
-        <p:spPr/>
-        <p:txBody>
-          <a:bodyPr/>
-          <a:lstStyle/>
-          <a:p>
-            <a:r>
-              <a:rPr kumimoji="1" lang="zh-CN" altLang="en-US" dirty="0" smtClean="0"/>
-              <a:t>时延测试</a:t>
-            </a:r>
-            <a:endParaRPr kumimoji="1" lang="zh-CN" altLang="en-US" dirty="0"/>
-          </a:p>
-        </p:txBody>
-      </p:sp>
-      <p:sp>
-        <p:nvSpPr>
-          <p:cNvPr id="6" name="内容占位符 5"/>
-          <p:cNvSpPr>
-            <a:spLocks noGrp="1"/>
-          </p:cNvSpPr>
+        </p:nvPicPr>
+        <p:blipFill>
+          <a:blip r:embed="rId1"/>
+          <a:stretch>
+            <a:fillRect/>
+          </a:stretch>
+        </p:blipFill>
+        <p:spPr>
+          <a:xfrm>
+            <a:off x="840105" y="2552065"/>
+            <a:ext cx="5157470" cy="3590290"/>
+          </a:xfrm>
+          <a:prstGeom prst="rect">
+            <a:avLst/>
+          </a:prstGeom>
+        </p:spPr>
+      </p:pic>
+      <p:pic>
+        <p:nvPicPr>
+          <p:cNvPr id="10" name="Content Placeholder 9"/>
+          <p:cNvPicPr>
+            <a:picLocks noChangeAspect="1"/>
+          </p:cNvPicPr>
           <p:nvPr>
             <p:ph sz="quarter" idx="4"/>
           </p:nvPr>
-        </p:nvSpPr>
-        <p:spPr/>
-        <p:txBody>
-          <a:bodyPr/>
-          <a:lstStyle/>
-          <a:p>
-            <a:endParaRPr kumimoji="1" lang="zh-CN" altLang="en-US"/>
-          </a:p>
-        </p:txBody>
-      </p:sp>
+        </p:nvPicPr>
+        <p:blipFill>
+          <a:blip r:embed="rId2"/>
+          <a:stretch>
+            <a:fillRect/>
+          </a:stretch>
+        </p:blipFill>
+        <p:spPr>
+          <a:xfrm>
+            <a:off x="6172200" y="2583180"/>
+            <a:ext cx="5183505" cy="3527425"/>
+          </a:xfrm>
+          <a:prstGeom prst="rect">
+            <a:avLst/>
+          </a:prstGeom>
+        </p:spPr>
+      </p:pic>
     </p:spTree>
-    <p:extLst>
-      <p:ext uri="{BB962C8B-B14F-4D97-AF65-F5344CB8AC3E}">
-        <p14:creationId xmlns:p14="http://schemas.microsoft.com/office/powerpoint/2010/main" val="176927620"/>
-      </p:ext>
-    </p:extLst>
   </p:cSld>
   <p:clrMapOvr>
     <a:masterClrMapping/>
@@ -3437,7 +3835,7 @@
               <a:t> </a:t>
             </a:r>
             <a:r>
-              <a:rPr kumimoji="1" lang="mr-IN" altLang="zh-CN" dirty="0" smtClean="0"/>
+              <a:rPr kumimoji="1" lang="en-US" altLang="zh-CN" dirty="0" smtClean="0"/>
               <a:t>–</a:t>
             </a:r>
             <a:r>
@@ -3489,87 +3887,278 @@
       </p:sp>
       <p:sp>
         <p:nvSpPr>
-          <p:cNvPr id="3" name="内容占位符 2"/>
-          <p:cNvSpPr>
-            <a:spLocks noGrp="1"/>
-          </p:cNvSpPr>
+          <p:cNvPr id="5" name="文本占位符 4"/>
+          <p:cNvSpPr>
+            <a:spLocks noGrp="1"/>
+          </p:cNvSpPr>
+          <p:nvPr>
+            <p:ph type="body" sz="quarter" idx="3"/>
+          </p:nvPr>
+        </p:nvSpPr>
+        <p:spPr/>
+        <p:txBody>
+          <a:bodyPr/>
+          <a:lstStyle/>
+          <a:p>
+            <a:r>
+              <a:rPr kumimoji="1" lang="zh-CN" altLang="en-US" dirty="0" smtClean="0"/>
+              <a:t>时延测试</a:t>
+            </a:r>
+            <a:endParaRPr kumimoji="1" lang="zh-CN" altLang="en-US" dirty="0"/>
+          </a:p>
+        </p:txBody>
+      </p:sp>
+      <p:pic>
+        <p:nvPicPr>
+          <p:cNvPr id="11" name="Content Placeholder 10"/>
+          <p:cNvPicPr>
+            <a:picLocks noChangeAspect="1"/>
+          </p:cNvPicPr>
+          <p:nvPr>
+            <p:ph sz="quarter" idx="4"/>
+          </p:nvPr>
+        </p:nvPicPr>
+        <p:blipFill>
+          <a:blip r:embed="rId1"/>
+          <a:stretch>
+            <a:fillRect/>
+          </a:stretch>
+        </p:blipFill>
+        <p:spPr>
+          <a:xfrm>
+            <a:off x="6172200" y="2600325"/>
+            <a:ext cx="5183505" cy="3493770"/>
+          </a:xfrm>
+          <a:prstGeom prst="rect">
+            <a:avLst/>
+          </a:prstGeom>
+        </p:spPr>
+      </p:pic>
+      <p:sp>
+        <p:nvSpPr>
+          <p:cNvPr id="20" name="Text Box 19"/>
+          <p:cNvSpPr txBox="1"/>
+          <p:nvPr/>
+        </p:nvSpPr>
+        <p:spPr>
+          <a:xfrm>
+            <a:off x="11123295" y="4176395"/>
+            <a:ext cx="909320" cy="243840"/>
+          </a:xfrm>
+          <a:prstGeom prst="rect">
+            <a:avLst/>
+          </a:prstGeom>
+          <a:noFill/>
+        </p:spPr>
+        <p:txBody>
+          <a:bodyPr wrap="square" rtlCol="0" anchor="t">
+            <a:spAutoFit/>
+          </a:bodyPr>
+          <a:p>
+            <a:r>
+              <a:rPr kumimoji="1" lang="x-none" altLang="zh-CN" sz="1000" dirty="0">
+                <a:sym typeface="+mn-ea"/>
+              </a:rPr>
+              <a:t>优先级排序</a:t>
+            </a:r>
+            <a:endParaRPr kumimoji="1" lang="x-none" altLang="zh-CN" sz="1000" dirty="0">
+              <a:sym typeface="+mn-ea"/>
+            </a:endParaRPr>
+          </a:p>
+        </p:txBody>
+      </p:sp>
+      <p:sp>
+        <p:nvSpPr>
+          <p:cNvPr id="21" name="Text Box 20"/>
+          <p:cNvSpPr txBox="1"/>
+          <p:nvPr/>
+        </p:nvSpPr>
+        <p:spPr>
+          <a:xfrm>
+            <a:off x="5832475" y="2970530"/>
+            <a:ext cx="909320" cy="243840"/>
+          </a:xfrm>
+          <a:prstGeom prst="rect">
+            <a:avLst/>
+          </a:prstGeom>
+          <a:noFill/>
+        </p:spPr>
+        <p:txBody>
+          <a:bodyPr wrap="square" rtlCol="0" anchor="t">
+            <a:spAutoFit/>
+          </a:bodyPr>
+          <a:p>
+            <a:r>
+              <a:rPr kumimoji="1" lang="x-none" altLang="zh-CN" sz="1000" dirty="0">
+                <a:sym typeface="+mn-ea"/>
+              </a:rPr>
+              <a:t>优先级排序</a:t>
+            </a:r>
+            <a:endParaRPr kumimoji="1" lang="x-none" altLang="zh-CN" sz="1000" dirty="0">
+              <a:sym typeface="+mn-ea"/>
+            </a:endParaRPr>
+          </a:p>
+        </p:txBody>
+      </p:sp>
+      <p:sp>
+        <p:nvSpPr>
+          <p:cNvPr id="22" name="Text Box 21"/>
+          <p:cNvSpPr txBox="1"/>
+          <p:nvPr/>
+        </p:nvSpPr>
+        <p:spPr>
+          <a:xfrm>
+            <a:off x="5851525" y="3730625"/>
+            <a:ext cx="909320" cy="243840"/>
+          </a:xfrm>
+          <a:prstGeom prst="rect">
+            <a:avLst/>
+          </a:prstGeom>
+          <a:noFill/>
+        </p:spPr>
+        <p:txBody>
+          <a:bodyPr wrap="square" rtlCol="0" anchor="t">
+            <a:spAutoFit/>
+          </a:bodyPr>
+          <a:p>
+            <a:r>
+              <a:rPr kumimoji="1" lang="x-none" altLang="zh-CN" sz="1000" dirty="0">
+                <a:sym typeface="+mn-ea"/>
+              </a:rPr>
+              <a:t>代理</a:t>
+            </a:r>
+            <a:endParaRPr kumimoji="1" lang="x-none" altLang="zh-CN" sz="1000" dirty="0">
+              <a:sym typeface="+mn-ea"/>
+            </a:endParaRPr>
+          </a:p>
+        </p:txBody>
+      </p:sp>
+      <p:sp>
+        <p:nvSpPr>
+          <p:cNvPr id="23" name="Text Box 22"/>
+          <p:cNvSpPr txBox="1"/>
+          <p:nvPr/>
+        </p:nvSpPr>
+        <p:spPr>
+          <a:xfrm>
+            <a:off x="5851525" y="4998085"/>
+            <a:ext cx="909320" cy="243840"/>
+          </a:xfrm>
+          <a:prstGeom prst="rect">
+            <a:avLst/>
+          </a:prstGeom>
+          <a:noFill/>
+        </p:spPr>
+        <p:txBody>
+          <a:bodyPr wrap="square" rtlCol="0" anchor="t">
+            <a:spAutoFit/>
+          </a:bodyPr>
+          <a:p>
+            <a:r>
+              <a:rPr kumimoji="1" lang="x-none" altLang="zh-CN" sz="1000" dirty="0">
+                <a:sym typeface="+mn-ea"/>
+              </a:rPr>
+              <a:t>原始</a:t>
+            </a:r>
+            <a:endParaRPr kumimoji="1" lang="x-none" altLang="zh-CN" sz="1000" dirty="0">
+              <a:sym typeface="+mn-ea"/>
+            </a:endParaRPr>
+          </a:p>
+        </p:txBody>
+      </p:sp>
+      <p:sp>
+        <p:nvSpPr>
+          <p:cNvPr id="24" name="Text Box 23"/>
+          <p:cNvSpPr txBox="1"/>
+          <p:nvPr/>
+        </p:nvSpPr>
+        <p:spPr>
+          <a:xfrm>
+            <a:off x="11123295" y="5120005"/>
+            <a:ext cx="909320" cy="243840"/>
+          </a:xfrm>
+          <a:prstGeom prst="rect">
+            <a:avLst/>
+          </a:prstGeom>
+          <a:noFill/>
+        </p:spPr>
+        <p:txBody>
+          <a:bodyPr wrap="square" rtlCol="0" anchor="t">
+            <a:spAutoFit/>
+          </a:bodyPr>
+          <a:p>
+            <a:r>
+              <a:rPr kumimoji="1" lang="x-none" altLang="zh-CN" sz="1000" dirty="0">
+                <a:sym typeface="+mn-ea"/>
+              </a:rPr>
+              <a:t>原始</a:t>
+            </a:r>
+            <a:endParaRPr kumimoji="1" lang="x-none" altLang="zh-CN" sz="1000" dirty="0">
+              <a:sym typeface="+mn-ea"/>
+            </a:endParaRPr>
+          </a:p>
+        </p:txBody>
+      </p:sp>
+      <p:sp>
+        <p:nvSpPr>
+          <p:cNvPr id="25" name="Text Box 24"/>
+          <p:cNvSpPr txBox="1"/>
+          <p:nvPr/>
+        </p:nvSpPr>
+        <p:spPr>
+          <a:xfrm>
+            <a:off x="11123295" y="5484495"/>
+            <a:ext cx="909320" cy="243840"/>
+          </a:xfrm>
+          <a:prstGeom prst="rect">
+            <a:avLst/>
+          </a:prstGeom>
+          <a:noFill/>
+        </p:spPr>
+        <p:txBody>
+          <a:bodyPr wrap="square" rtlCol="0" anchor="t">
+            <a:spAutoFit/>
+          </a:bodyPr>
+          <a:p>
+            <a:r>
+              <a:rPr kumimoji="1" lang="x-none" altLang="zh-CN" sz="1000" dirty="0">
+                <a:sym typeface="+mn-ea"/>
+              </a:rPr>
+              <a:t>代理</a:t>
+            </a:r>
+            <a:endParaRPr kumimoji="1" lang="x-none" altLang="zh-CN" sz="1000" dirty="0">
+              <a:sym typeface="+mn-ea"/>
+            </a:endParaRPr>
+          </a:p>
+        </p:txBody>
+      </p:sp>
+      <p:pic>
+        <p:nvPicPr>
+          <p:cNvPr id="27" name="Content Placeholder 26"/>
+          <p:cNvPicPr>
+            <a:picLocks noChangeAspect="1"/>
+          </p:cNvPicPr>
           <p:nvPr>
             <p:ph sz="half" idx="2"/>
           </p:nvPr>
-        </p:nvSpPr>
-        <p:spPr/>
-        <p:txBody>
-          <a:bodyPr/>
-          <a:lstStyle/>
-          <a:p>
-            <a:r>
-              <a:rPr kumimoji="1" lang="en-US" altLang="zh-CN" dirty="0" smtClean="0"/>
-              <a:t>TO</a:t>
-            </a:r>
-            <a:r>
-              <a:rPr kumimoji="1" lang="zh-CN" altLang="en-US" dirty="0" smtClean="0"/>
-              <a:t>：这里放综合结果（</a:t>
-            </a:r>
-            <a:r>
-              <a:rPr kumimoji="1" lang="en-US" altLang="zh-CN" dirty="0" smtClean="0"/>
-              <a:t>3</a:t>
-            </a:r>
-            <a:r>
-              <a:rPr kumimoji="1" lang="zh-CN" altLang="en-US" dirty="0" smtClean="0"/>
-              <a:t>种方案的折线放在一张图上）</a:t>
-            </a:r>
-            <a:endParaRPr kumimoji="1" lang="en-US" altLang="zh-CN" dirty="0" smtClean="0"/>
-          </a:p>
-        </p:txBody>
-      </p:sp>
-      <p:sp>
-        <p:nvSpPr>
-          <p:cNvPr id="5" name="文本占位符 4"/>
-          <p:cNvSpPr>
-            <a:spLocks noGrp="1"/>
-          </p:cNvSpPr>
-          <p:nvPr>
-            <p:ph type="body" sz="quarter" idx="3"/>
-          </p:nvPr>
-        </p:nvSpPr>
-        <p:spPr/>
-        <p:txBody>
-          <a:bodyPr/>
-          <a:lstStyle/>
-          <a:p>
-            <a:r>
-              <a:rPr kumimoji="1" lang="zh-CN" altLang="en-US" dirty="0" smtClean="0"/>
-              <a:t>时延测试</a:t>
-            </a:r>
-            <a:endParaRPr kumimoji="1" lang="zh-CN" altLang="en-US" dirty="0"/>
-          </a:p>
-        </p:txBody>
-      </p:sp>
-      <p:sp>
-        <p:nvSpPr>
-          <p:cNvPr id="6" name="内容占位符 5"/>
-          <p:cNvSpPr>
-            <a:spLocks noGrp="1"/>
-          </p:cNvSpPr>
-          <p:nvPr>
-            <p:ph sz="quarter" idx="4"/>
-          </p:nvPr>
-        </p:nvSpPr>
-        <p:spPr/>
-        <p:txBody>
-          <a:bodyPr/>
-          <a:lstStyle/>
-          <a:p>
-            <a:endParaRPr kumimoji="1" lang="zh-CN" altLang="en-US"/>
-          </a:p>
-        </p:txBody>
-      </p:sp>
+        </p:nvPicPr>
+        <p:blipFill>
+          <a:blip r:embed="rId2"/>
+          <a:stretch>
+            <a:fillRect/>
+          </a:stretch>
+        </p:blipFill>
+        <p:spPr>
+          <a:xfrm>
+            <a:off x="763905" y="2552065"/>
+            <a:ext cx="5157470" cy="3590290"/>
+          </a:xfrm>
+          <a:prstGeom prst="rect">
+            <a:avLst/>
+          </a:prstGeom>
+        </p:spPr>
+      </p:pic>
     </p:spTree>
-    <p:extLst>
-      <p:ext uri="{BB962C8B-B14F-4D97-AF65-F5344CB8AC3E}">
-        <p14:creationId xmlns:p14="http://schemas.microsoft.com/office/powerpoint/2010/main" val="1505141892"/>
-      </p:ext>
-    </p:extLst>
   </p:cSld>
   <p:clrMapOvr>
     <a:masterClrMapping/>
@@ -3603,6 +4192,393 @@
       </p:grpSpPr>
       <p:sp>
         <p:nvSpPr>
+          <p:cNvPr id="2" name="标题 1"/>
+          <p:cNvSpPr>
+            <a:spLocks noGrp="1"/>
+          </p:cNvSpPr>
+          <p:nvPr>
+            <p:ph type="title"/>
+          </p:nvPr>
+        </p:nvSpPr>
+        <p:spPr/>
+        <p:txBody>
+          <a:bodyPr/>
+          <a:lstStyle/>
+          <a:p>
+            <a:r>
+              <a:rPr kumimoji="1" lang="zh-CN" altLang="en-US" dirty="0" smtClean="0"/>
+              <a:t>测试结果</a:t>
+            </a:r>
+            <a:r>
+              <a:rPr kumimoji="1" lang="zh-CN" altLang="en-US" dirty="0"/>
+              <a:t> </a:t>
+            </a:r>
+            <a:r>
+              <a:rPr kumimoji="1" lang="en-US" altLang="zh-CN" dirty="0" smtClean="0"/>
+              <a:t>–</a:t>
+            </a:r>
+            <a:r>
+              <a:rPr kumimoji="1" lang="zh-CN" altLang="en-US" dirty="0" smtClean="0"/>
+              <a:t> （</a:t>
+            </a:r>
+            <a:r>
+              <a:rPr kumimoji="1" lang="en-US" altLang="zh-CN" dirty="0" smtClean="0"/>
+              <a:t>_</a:t>
+            </a:r>
+            <a:r>
+              <a:rPr kumimoji="1" lang="zh-CN" altLang="en-US" dirty="0" smtClean="0"/>
+              <a:t>，</a:t>
+            </a:r>
+            <a:r>
+              <a:rPr kumimoji="1" lang="en-US" altLang="zh-CN" dirty="0" smtClean="0"/>
+              <a:t>_</a:t>
+            </a:r>
+            <a:r>
+              <a:rPr kumimoji="1" lang="zh-CN" altLang="en-US" dirty="0" smtClean="0"/>
+              <a:t>，</a:t>
+            </a:r>
+            <a:r>
+              <a:rPr kumimoji="1" lang="x-none" altLang="zh-CN" dirty="0" smtClean="0"/>
+              <a:t>有</a:t>
+            </a:r>
+            <a:r>
+              <a:rPr kumimoji="1" lang="zh-CN" altLang="en-US" dirty="0" smtClean="0"/>
+              <a:t>通信时延）</a:t>
+            </a:r>
+            <a:endParaRPr kumimoji="1" lang="zh-CN" altLang="en-US" dirty="0"/>
+          </a:p>
+        </p:txBody>
+      </p:sp>
+      <p:sp>
+        <p:nvSpPr>
+          <p:cNvPr id="4" name="文本占位符 3"/>
+          <p:cNvSpPr>
+            <a:spLocks noGrp="1"/>
+          </p:cNvSpPr>
+          <p:nvPr>
+            <p:ph type="body" idx="1"/>
+          </p:nvPr>
+        </p:nvSpPr>
+        <p:spPr/>
+        <p:txBody>
+          <a:bodyPr/>
+          <a:lstStyle/>
+          <a:p>
+            <a:r>
+              <a:rPr kumimoji="1" lang="zh-CN" altLang="en-US" dirty="0" smtClean="0"/>
+              <a:t>吞吐测试</a:t>
+            </a:r>
+            <a:endParaRPr kumimoji="1" lang="zh-CN" altLang="en-US" dirty="0"/>
+          </a:p>
+        </p:txBody>
+      </p:sp>
+      <p:sp>
+        <p:nvSpPr>
+          <p:cNvPr id="5" name="文本占位符 4"/>
+          <p:cNvSpPr>
+            <a:spLocks noGrp="1"/>
+          </p:cNvSpPr>
+          <p:nvPr>
+            <p:ph type="body" sz="quarter" idx="3"/>
+          </p:nvPr>
+        </p:nvSpPr>
+        <p:spPr/>
+        <p:txBody>
+          <a:bodyPr/>
+          <a:lstStyle/>
+          <a:p>
+            <a:r>
+              <a:rPr kumimoji="1" lang="zh-CN" altLang="en-US" dirty="0" smtClean="0"/>
+              <a:t>时延测试</a:t>
+            </a:r>
+            <a:endParaRPr kumimoji="1" lang="zh-CN" altLang="en-US" dirty="0"/>
+          </a:p>
+        </p:txBody>
+      </p:sp>
+      <p:pic>
+        <p:nvPicPr>
+          <p:cNvPr id="21" name="Content Placeholder 20"/>
+          <p:cNvPicPr>
+            <a:picLocks noChangeAspect="1"/>
+          </p:cNvPicPr>
+          <p:nvPr>
+            <p:ph sz="quarter" idx="4"/>
+          </p:nvPr>
+        </p:nvPicPr>
+        <p:blipFill>
+          <a:blip r:embed="rId1"/>
+          <a:stretch>
+            <a:fillRect/>
+          </a:stretch>
+        </p:blipFill>
+        <p:spPr>
+          <a:xfrm>
+            <a:off x="6172200" y="2600325"/>
+            <a:ext cx="5183505" cy="3493770"/>
+          </a:xfrm>
+          <a:prstGeom prst="rect">
+            <a:avLst/>
+          </a:prstGeom>
+        </p:spPr>
+      </p:pic>
+      <p:sp>
+        <p:nvSpPr>
+          <p:cNvPr id="22" name="Text Box 21"/>
+          <p:cNvSpPr txBox="1"/>
+          <p:nvPr/>
+        </p:nvSpPr>
+        <p:spPr>
+          <a:xfrm>
+            <a:off x="5785485" y="2922905"/>
+            <a:ext cx="909320" cy="243840"/>
+          </a:xfrm>
+          <a:prstGeom prst="rect">
+            <a:avLst/>
+          </a:prstGeom>
+          <a:noFill/>
+        </p:spPr>
+        <p:txBody>
+          <a:bodyPr wrap="square" rtlCol="0" anchor="t">
+            <a:spAutoFit/>
+          </a:bodyPr>
+          <a:p>
+            <a:r>
+              <a:rPr kumimoji="1" lang="x-none" altLang="zh-CN" sz="1000" dirty="0">
+                <a:sym typeface="+mn-ea"/>
+              </a:rPr>
+              <a:t>优先级排序</a:t>
+            </a:r>
+            <a:endParaRPr kumimoji="1" lang="x-none" altLang="zh-CN" sz="1000" dirty="0">
+              <a:sym typeface="+mn-ea"/>
+            </a:endParaRPr>
+          </a:p>
+        </p:txBody>
+      </p:sp>
+      <p:sp>
+        <p:nvSpPr>
+          <p:cNvPr id="23" name="Text Box 22"/>
+          <p:cNvSpPr txBox="1"/>
+          <p:nvPr/>
+        </p:nvSpPr>
+        <p:spPr>
+          <a:xfrm>
+            <a:off x="11189970" y="4130675"/>
+            <a:ext cx="909320" cy="243840"/>
+          </a:xfrm>
+          <a:prstGeom prst="rect">
+            <a:avLst/>
+          </a:prstGeom>
+          <a:noFill/>
+        </p:spPr>
+        <p:txBody>
+          <a:bodyPr wrap="square" rtlCol="0" anchor="t">
+            <a:spAutoFit/>
+          </a:bodyPr>
+          <a:p>
+            <a:r>
+              <a:rPr kumimoji="1" lang="x-none" altLang="zh-CN" sz="1000" dirty="0">
+                <a:sym typeface="+mn-ea"/>
+              </a:rPr>
+              <a:t>优先级排序</a:t>
+            </a:r>
+            <a:endParaRPr kumimoji="1" lang="x-none" altLang="zh-CN" sz="1000" dirty="0">
+              <a:sym typeface="+mn-ea"/>
+            </a:endParaRPr>
+          </a:p>
+        </p:txBody>
+      </p:sp>
+      <p:sp>
+        <p:nvSpPr>
+          <p:cNvPr id="24" name="Text Box 23"/>
+          <p:cNvSpPr txBox="1"/>
+          <p:nvPr/>
+        </p:nvSpPr>
+        <p:spPr>
+          <a:xfrm>
+            <a:off x="5766435" y="4953000"/>
+            <a:ext cx="909320" cy="243840"/>
+          </a:xfrm>
+          <a:prstGeom prst="rect">
+            <a:avLst/>
+          </a:prstGeom>
+          <a:noFill/>
+        </p:spPr>
+        <p:txBody>
+          <a:bodyPr wrap="square" rtlCol="0" anchor="t">
+            <a:spAutoFit/>
+          </a:bodyPr>
+          <a:p>
+            <a:r>
+              <a:rPr kumimoji="1" lang="x-none" altLang="zh-CN" sz="1000" dirty="0">
+                <a:sym typeface="+mn-ea"/>
+              </a:rPr>
+              <a:t>原始</a:t>
+            </a:r>
+            <a:endParaRPr kumimoji="1" lang="x-none" altLang="zh-CN" sz="1000" dirty="0">
+              <a:sym typeface="+mn-ea"/>
+            </a:endParaRPr>
+          </a:p>
+        </p:txBody>
+      </p:sp>
+      <p:sp>
+        <p:nvSpPr>
+          <p:cNvPr id="25" name="Text Box 24"/>
+          <p:cNvSpPr txBox="1"/>
+          <p:nvPr/>
+        </p:nvSpPr>
+        <p:spPr>
+          <a:xfrm>
+            <a:off x="11189970" y="5122545"/>
+            <a:ext cx="909320" cy="243840"/>
+          </a:xfrm>
+          <a:prstGeom prst="rect">
+            <a:avLst/>
+          </a:prstGeom>
+          <a:noFill/>
+        </p:spPr>
+        <p:txBody>
+          <a:bodyPr wrap="square" rtlCol="0" anchor="t">
+            <a:spAutoFit/>
+          </a:bodyPr>
+          <a:p>
+            <a:r>
+              <a:rPr kumimoji="1" lang="x-none" altLang="zh-CN" sz="1000" dirty="0">
+                <a:sym typeface="+mn-ea"/>
+              </a:rPr>
+              <a:t>原始</a:t>
+            </a:r>
+            <a:endParaRPr kumimoji="1" lang="x-none" altLang="zh-CN" sz="1000" dirty="0">
+              <a:sym typeface="+mn-ea"/>
+            </a:endParaRPr>
+          </a:p>
+        </p:txBody>
+      </p:sp>
+      <p:sp>
+        <p:nvSpPr>
+          <p:cNvPr id="26" name="Text Box 25"/>
+          <p:cNvSpPr txBox="1"/>
+          <p:nvPr/>
+        </p:nvSpPr>
+        <p:spPr>
+          <a:xfrm>
+            <a:off x="5814060" y="3529330"/>
+            <a:ext cx="909320" cy="243840"/>
+          </a:xfrm>
+          <a:prstGeom prst="rect">
+            <a:avLst/>
+          </a:prstGeom>
+          <a:noFill/>
+        </p:spPr>
+        <p:txBody>
+          <a:bodyPr wrap="square" rtlCol="0" anchor="t">
+            <a:spAutoFit/>
+          </a:bodyPr>
+          <a:p>
+            <a:r>
+              <a:rPr kumimoji="1" lang="x-none" altLang="zh-CN" sz="1000" dirty="0">
+                <a:sym typeface="+mn-ea"/>
+              </a:rPr>
+              <a:t>代理</a:t>
+            </a:r>
+            <a:endParaRPr kumimoji="1" lang="x-none" altLang="zh-CN" sz="1000" dirty="0">
+              <a:sym typeface="+mn-ea"/>
+            </a:endParaRPr>
+          </a:p>
+        </p:txBody>
+      </p:sp>
+      <p:sp>
+        <p:nvSpPr>
+          <p:cNvPr id="27" name="Text Box 26"/>
+          <p:cNvSpPr txBox="1"/>
+          <p:nvPr/>
+        </p:nvSpPr>
+        <p:spPr>
+          <a:xfrm>
+            <a:off x="11189970" y="5484495"/>
+            <a:ext cx="909320" cy="243840"/>
+          </a:xfrm>
+          <a:prstGeom prst="rect">
+            <a:avLst/>
+          </a:prstGeom>
+          <a:noFill/>
+        </p:spPr>
+        <p:txBody>
+          <a:bodyPr wrap="square" rtlCol="0" anchor="t">
+            <a:spAutoFit/>
+          </a:bodyPr>
+          <a:p>
+            <a:r>
+              <a:rPr kumimoji="1" lang="x-none" altLang="zh-CN" sz="1000" dirty="0">
+                <a:sym typeface="+mn-ea"/>
+              </a:rPr>
+              <a:t>代理</a:t>
+            </a:r>
+            <a:endParaRPr kumimoji="1" lang="x-none" altLang="zh-CN" sz="1000" dirty="0">
+              <a:sym typeface="+mn-ea"/>
+            </a:endParaRPr>
+          </a:p>
+        </p:txBody>
+      </p:sp>
+      <p:pic>
+        <p:nvPicPr>
+          <p:cNvPr id="36" name="Content Placeholder 35"/>
+          <p:cNvPicPr>
+            <a:picLocks noChangeAspect="1"/>
+          </p:cNvPicPr>
+          <p:nvPr>
+            <p:ph sz="half" idx="2"/>
+          </p:nvPr>
+        </p:nvPicPr>
+        <p:blipFill>
+          <a:blip r:embed="rId2"/>
+          <a:stretch>
+            <a:fillRect/>
+          </a:stretch>
+        </p:blipFill>
+        <p:spPr>
+          <a:xfrm>
+            <a:off x="687705" y="2552065"/>
+            <a:ext cx="5157470" cy="3590290"/>
+          </a:xfrm>
+          <a:prstGeom prst="rect">
+            <a:avLst/>
+          </a:prstGeom>
+        </p:spPr>
+      </p:pic>
+    </p:spTree>
+  </p:cSld>
+  <p:clrMapOvr>
+    <a:masterClrMapping/>
+  </p:clrMapOvr>
+  <p:timing>
+    <p:tnLst>
+      <p:par>
+        <p:cTn id="1" dur="indefinite" restart="never" nodeType="tmRoot"/>
+      </p:par>
+    </p:tnLst>
+  </p:timing>
+</p:sld>
+</file>
+
+<file path=ppt/slides/slide14.xml><?xml version="1.0" encoding="utf-8"?>
+<p:sld xmlns:a="http://schemas.openxmlformats.org/drawingml/2006/main" xmlns:r="http://schemas.openxmlformats.org/officeDocument/2006/relationships" xmlns:p="http://schemas.openxmlformats.org/presentationml/2006/main">
+  <p:cSld>
+    <p:spTree>
+      <p:nvGrpSpPr>
+        <p:cNvPr id="1" name=""/>
+        <p:cNvGrpSpPr/>
+        <p:nvPr/>
+      </p:nvGrpSpPr>
+      <p:grpSpPr>
+        <a:xfrm>
+          <a:off x="0" y="0"/>
+          <a:ext cx="0" cy="0"/>
+          <a:chOff x="0" y="0"/>
+          <a:chExt cx="0" cy="0"/>
+        </a:xfrm>
+      </p:grpSpPr>
+      <p:sp>
+        <p:nvSpPr>
           <p:cNvPr id="9" name="标题 8"/>
           <p:cNvSpPr>
             <a:spLocks noGrp="1"/>
@@ -3636,43 +4612,129 @@
         </p:nvSpPr>
         <p:spPr/>
         <p:txBody>
-          <a:bodyPr/>
-          <a:lstStyle/>
-          <a:p>
-            <a:r>
-              <a:rPr kumimoji="1" lang="en-US" altLang="zh-CN" dirty="0" smtClean="0"/>
-              <a:t>TO</a:t>
-            </a:r>
-            <a:r>
-              <a:rPr kumimoji="1" lang="zh-CN" altLang="en-US" dirty="0" smtClean="0"/>
-              <a:t>：承泽，这里写一些结论性的语言。比如从吞吐测试看，方案</a:t>
-            </a:r>
-            <a:r>
-              <a:rPr kumimoji="1" lang="en-US" altLang="zh-CN" dirty="0"/>
-              <a:t>2</a:t>
-            </a:r>
-            <a:r>
-              <a:rPr kumimoji="1" lang="zh-CN" altLang="en-US" dirty="0" smtClean="0"/>
-              <a:t>效率高于方案</a:t>
-            </a:r>
-            <a:r>
-              <a:rPr kumimoji="1" lang="en-US" altLang="zh-CN" dirty="0" smtClean="0"/>
-              <a:t>1</a:t>
-            </a:r>
-            <a:r>
-              <a:rPr kumimoji="1" lang="zh-CN" altLang="en-US" dirty="0" smtClean="0"/>
-              <a:t>高于原有方案；从加入时延的方面看，时延会产生什么样的影响，等等</a:t>
-            </a:r>
-            <a:endParaRPr kumimoji="1" lang="zh-CN" altLang="en-US" dirty="0"/>
+          <a:bodyPr>
+            <a:normAutofit fontScale="90000"/>
+          </a:bodyPr>
+          <a:lstStyle/>
+          <a:p>
+            <a:pPr marL="0" indent="0">
+              <a:buNone/>
+            </a:pPr>
+            <a:r>
+              <a:rPr kumimoji="1" lang="x-none" altLang="zh-CN" dirty="0"/>
+              <a:t>1.在传输时间延时可以忽略的情况下，</a:t>
+            </a:r>
+            <a:endParaRPr kumimoji="1" lang="x-none" altLang="zh-CN" dirty="0"/>
+          </a:p>
+          <a:p>
+            <a:r>
+              <a:rPr kumimoji="1" lang="x-none" altLang="zh-CN" dirty="0"/>
+              <a:t>吞吐率：优先级排序方案 &gt; 代理方案    &gt; ODL原始方案</a:t>
+            </a:r>
+            <a:endParaRPr kumimoji="1" lang="x-none" altLang="zh-CN" dirty="0"/>
+          </a:p>
+          <a:p>
+            <a:r>
+              <a:rPr kumimoji="1" lang="x-none" altLang="zh-CN" dirty="0"/>
+              <a:t>延时：	  代理方案	 &lt; ODL原始方案 &lt; </a:t>
+            </a:r>
+            <a:r>
+              <a:rPr kumimoji="1" lang="x-none" altLang="zh-CN" dirty="0">
+                <a:sym typeface="+mn-ea"/>
+              </a:rPr>
+              <a:t>优先级排序方案</a:t>
+            </a:r>
+            <a:endParaRPr kumimoji="1" lang="x-none" altLang="zh-CN" dirty="0"/>
+          </a:p>
+          <a:p>
+            <a:pPr marL="0" indent="0">
+              <a:buNone/>
+            </a:pPr>
+            <a:r>
+              <a:rPr kumimoji="1" lang="x-none" altLang="zh-CN" dirty="0"/>
+              <a:t>2.在有传输时延时</a:t>
+            </a:r>
+            <a:r>
+              <a:rPr kumimoji="1" lang="x-none" altLang="zh-CN" dirty="0">
+                <a:sym typeface="+mn-ea"/>
+              </a:rPr>
+              <a:t>的情况下</a:t>
+            </a:r>
+            <a:r>
+              <a:rPr kumimoji="1" lang="x-none" altLang="zh-CN" dirty="0"/>
+              <a:t>，</a:t>
+            </a:r>
+            <a:endParaRPr kumimoji="1" lang="x-none" altLang="zh-CN" dirty="0"/>
+          </a:p>
+          <a:p>
+            <a:r>
+              <a:rPr kumimoji="1" lang="x-none" altLang="zh-CN" dirty="0"/>
+              <a:t>结论不变</a:t>
+            </a:r>
+            <a:endParaRPr kumimoji="1" lang="x-none" altLang="zh-CN" dirty="0"/>
+          </a:p>
+          <a:p>
+            <a:pPr marL="0" indent="0">
+              <a:buNone/>
+            </a:pPr>
+            <a:r>
+              <a:rPr kumimoji="1" lang="x-none" altLang="zh-CN" dirty="0"/>
+              <a:t>3.</a:t>
+            </a:r>
+            <a:r>
+              <a:rPr kumimoji="1" lang="x-none" altLang="zh-CN" dirty="0">
+                <a:sym typeface="+mn-ea"/>
+              </a:rPr>
+              <a:t>ODL原始方案的吞吐率是代理方案和优先级方案的1/3以下。</a:t>
+            </a:r>
+            <a:endParaRPr kumimoji="1" lang="x-none" altLang="zh-CN" dirty="0"/>
+          </a:p>
+          <a:p>
+            <a:pPr marL="0" indent="0">
+              <a:buNone/>
+            </a:pPr>
+            <a:r>
+              <a:rPr kumimoji="1" lang="x-none" altLang="zh-CN" dirty="0"/>
+              <a:t>4.代理方案和优先级排序方案比较：</a:t>
+            </a:r>
+            <a:endParaRPr kumimoji="1" lang="x-none" altLang="zh-CN" dirty="0"/>
+          </a:p>
+          <a:p>
+            <a:pPr marL="0" indent="0">
+              <a:buNone/>
+            </a:pPr>
+            <a:r>
+              <a:rPr kumimoji="1" lang="x-none" altLang="zh-CN" dirty="0"/>
+              <a:t>	吞吐率：</a:t>
+            </a:r>
+            <a:r>
+              <a:rPr kumimoji="1" lang="x-none" altLang="zh-CN" dirty="0">
+                <a:sym typeface="+mn-ea"/>
+              </a:rPr>
+              <a:t>优先级排序方案略好</a:t>
+            </a:r>
+            <a:endParaRPr kumimoji="1" lang="x-none" altLang="zh-CN" dirty="0">
+              <a:sym typeface="+mn-ea"/>
+            </a:endParaRPr>
+          </a:p>
+          <a:p>
+            <a:pPr marL="0" indent="0">
+              <a:buNone/>
+            </a:pPr>
+            <a:r>
+              <a:rPr kumimoji="1" lang="x-none" altLang="zh-CN" dirty="0">
+                <a:sym typeface="+mn-ea"/>
+              </a:rPr>
+              <a:t>	延时  ：代理方案略好</a:t>
+            </a:r>
+            <a:endParaRPr kumimoji="1" lang="x-none" altLang="zh-CN" dirty="0"/>
+          </a:p>
+          <a:p>
+            <a:endParaRPr kumimoji="1" lang="x-none" altLang="zh-CN" dirty="0"/>
           </a:p>
         </p:txBody>
       </p:sp>
     </p:spTree>
-    <p:extLst>
-      <p:ext uri="{BB962C8B-B14F-4D97-AF65-F5344CB8AC3E}">
-        <p14:creationId xmlns:p14="http://schemas.microsoft.com/office/powerpoint/2010/main" val="910770179"/>
-      </p:ext>
-    </p:extLst>
   </p:cSld>
   <p:clrMapOvr>
     <a:masterClrMapping/>
@@ -3717,7 +4779,7 @@
               <a:t>测试情况及结果 </a:t>
             </a:r>
             <a:r>
-              <a:rPr kumimoji="1" lang="mr-IN" altLang="zh-CN" dirty="0" smtClean="0"/>
+              <a:rPr kumimoji="1" lang="en-US" altLang="zh-CN" dirty="0" smtClean="0"/>
               <a:t>–</a:t>
             </a:r>
             <a:r>
@@ -3745,7 +4807,15 @@
           <a:p>
             <a:r>
               <a:rPr kumimoji="1" lang="zh-CN" altLang="en-US" dirty="0" smtClean="0"/>
-              <a:t>比较如下三种方案两端是提交的效率</a:t>
+              <a:t>比较如下三种方案两</a:t>
+            </a:r>
+            <a:r>
+              <a:rPr kumimoji="1" lang="x-none" altLang="zh-CN" dirty="0" smtClean="0"/>
+              <a:t>段式</a:t>
+            </a:r>
+            <a:r>
+              <a:rPr kumimoji="1" lang="zh-CN" altLang="en-US" dirty="0" smtClean="0"/>
+              <a:t>提交的效率</a:t>
             </a:r>
             <a:endParaRPr kumimoji="1" lang="en-US" altLang="zh-CN" dirty="0" smtClean="0"/>
           </a:p>
@@ -3824,11 +4894,6 @@
         </p:txBody>
       </p:sp>
     </p:spTree>
-    <p:extLst>
-      <p:ext uri="{BB962C8B-B14F-4D97-AF65-F5344CB8AC3E}">
-        <p14:creationId xmlns:p14="http://schemas.microsoft.com/office/powerpoint/2010/main" val="1028365662"/>
-      </p:ext>
-    </p:extLst>
   </p:cSld>
   <p:clrMapOvr>
     <a:masterClrMapping/>
@@ -3880,7 +4945,7 @@
               <a:t>测试情况及结果 </a:t>
             </a:r>
             <a:r>
-              <a:rPr kumimoji="1" lang="mr-IN" altLang="zh-CN" dirty="0" smtClean="0"/>
+              <a:rPr kumimoji="1" lang="en-US" altLang="zh-CN" dirty="0" smtClean="0"/>
               <a:t>–</a:t>
             </a:r>
             <a:r>
@@ -4066,11 +5131,6 @@
         </p:txBody>
       </p:sp>
     </p:spTree>
-    <p:extLst>
-      <p:ext uri="{BB962C8B-B14F-4D97-AF65-F5344CB8AC3E}">
-        <p14:creationId xmlns:p14="http://schemas.microsoft.com/office/powerpoint/2010/main" val="793290178"/>
-      </p:ext>
-    </p:extLst>
   </p:cSld>
   <p:clrMapOvr>
     <a:masterClrMapping/>
@@ -4122,7 +5182,7 @@
               <a:t>测试情况及结果 </a:t>
             </a:r>
             <a:r>
-              <a:rPr kumimoji="1" lang="mr-IN" altLang="zh-CN" dirty="0" smtClean="0"/>
+              <a:rPr kumimoji="1" lang="en-US" altLang="zh-CN" dirty="0" smtClean="0"/>
               <a:t>–</a:t>
             </a:r>
             <a:r>
@@ -4300,11 +5360,6 @@
         </p:txBody>
       </p:sp>
     </p:spTree>
-    <p:extLst>
-      <p:ext uri="{BB962C8B-B14F-4D97-AF65-F5344CB8AC3E}">
-        <p14:creationId xmlns:p14="http://schemas.microsoft.com/office/powerpoint/2010/main" val="1249541070"/>
-      </p:ext>
-    </p:extLst>
   </p:cSld>
   <p:clrMapOvr>
     <a:masterClrMapping/>
@@ -4360,7 +5415,7 @@
               <a:t> </a:t>
             </a:r>
             <a:r>
-              <a:rPr kumimoji="1" lang="mr-IN" altLang="zh-CN" dirty="0" smtClean="0"/>
+              <a:rPr kumimoji="1" lang="en-US" altLang="zh-CN" dirty="0" smtClean="0"/>
               <a:t>–</a:t>
             </a:r>
             <a:r>
@@ -4419,11 +5474,6 @@
         </p:txBody>
       </p:sp>
     </p:spTree>
-    <p:extLst>
-      <p:ext uri="{BB962C8B-B14F-4D97-AF65-F5344CB8AC3E}">
-        <p14:creationId xmlns:p14="http://schemas.microsoft.com/office/powerpoint/2010/main" val="794179477"/>
-      </p:ext>
-    </p:extLst>
   </p:cSld>
   <p:clrMapOvr>
     <a:masterClrMapping/>
@@ -4479,12 +5529,20 @@
               <a:t> </a:t>
             </a:r>
             <a:r>
-              <a:rPr kumimoji="1" lang="mr-IN" altLang="zh-CN" dirty="0" smtClean="0"/>
+              <a:rPr kumimoji="1" lang="en-US" altLang="zh-CN" dirty="0" smtClean="0"/>
               <a:t>–</a:t>
             </a:r>
             <a:r>
               <a:rPr kumimoji="1" lang="zh-CN" altLang="en-US" dirty="0" smtClean="0"/>
-              <a:t> （原始方案，</a:t>
+              <a:t> （</a:t>
+            </a:r>
+            <a:r>
+              <a:rPr kumimoji="1" lang="x-none" altLang="zh-CN" dirty="0" smtClean="0"/>
+              <a:t>原始</a:t>
+            </a:r>
+            <a:r>
+              <a:rPr kumimoji="1" lang="zh-CN" altLang="en-US" dirty="0" smtClean="0"/>
+              <a:t>方案，</a:t>
             </a:r>
             <a:r>
               <a:rPr kumimoji="1" lang="en-US" altLang="zh-CN" dirty="0" smtClean="0"/>
@@ -4523,79 +5581,80 @@
       </p:sp>
       <p:sp>
         <p:nvSpPr>
-          <p:cNvPr id="3" name="内容占位符 2"/>
-          <p:cNvSpPr>
-            <a:spLocks noGrp="1"/>
-          </p:cNvSpPr>
+          <p:cNvPr id="5" name="文本占位符 4"/>
+          <p:cNvSpPr>
+            <a:spLocks noGrp="1"/>
+          </p:cNvSpPr>
+          <p:nvPr>
+            <p:ph type="body" sz="quarter" idx="3"/>
+          </p:nvPr>
+        </p:nvSpPr>
+        <p:spPr/>
+        <p:txBody>
+          <a:bodyPr/>
+          <a:lstStyle/>
+          <a:p>
+            <a:r>
+              <a:rPr kumimoji="1" lang="zh-CN" altLang="en-US" dirty="0" smtClean="0"/>
+              <a:t>时延测试</a:t>
+            </a:r>
+            <a:endParaRPr kumimoji="1" lang="zh-CN" altLang="en-US" dirty="0"/>
+          </a:p>
+        </p:txBody>
+      </p:sp>
+      <p:pic>
+        <p:nvPicPr>
+          <p:cNvPr id="10" name="Content Placeholder 9"/>
+          <p:cNvPicPr>
+            <a:picLocks noChangeAspect="1"/>
+          </p:cNvPicPr>
           <p:nvPr>
             <p:ph sz="half" idx="2"/>
           </p:nvPr>
-        </p:nvSpPr>
-        <p:spPr/>
-        <p:txBody>
-          <a:bodyPr/>
-          <a:lstStyle/>
-          <a:p>
-            <a:r>
-              <a:rPr kumimoji="1" lang="en-US" altLang="zh-CN" dirty="0" smtClean="0"/>
-              <a:t>TO</a:t>
-            </a:r>
-            <a:r>
-              <a:rPr kumimoji="1" lang="zh-CN" altLang="en-US" dirty="0" smtClean="0"/>
-              <a:t>：承泽，结果折线图放在这里</a:t>
-            </a:r>
-            <a:endParaRPr kumimoji="1" lang="en-US" altLang="zh-CN" dirty="0" smtClean="0"/>
-          </a:p>
-        </p:txBody>
-      </p:sp>
-      <p:sp>
-        <p:nvSpPr>
-          <p:cNvPr id="5" name="文本占位符 4"/>
-          <p:cNvSpPr>
-            <a:spLocks noGrp="1"/>
-          </p:cNvSpPr>
-          <p:nvPr>
-            <p:ph type="body" sz="quarter" idx="3"/>
-          </p:nvPr>
-        </p:nvSpPr>
-        <p:spPr/>
-        <p:txBody>
-          <a:bodyPr/>
-          <a:lstStyle/>
-          <a:p>
-            <a:r>
-              <a:rPr kumimoji="1" lang="zh-CN" altLang="en-US" dirty="0" smtClean="0"/>
-              <a:t>时延测试</a:t>
-            </a:r>
-            <a:endParaRPr kumimoji="1" lang="zh-CN" altLang="en-US" dirty="0"/>
-          </a:p>
-        </p:txBody>
-      </p:sp>
-      <p:sp>
-        <p:nvSpPr>
-          <p:cNvPr id="6" name="内容占位符 5"/>
-          <p:cNvSpPr>
-            <a:spLocks noGrp="1"/>
-          </p:cNvSpPr>
+        </p:nvPicPr>
+        <p:blipFill>
+          <a:blip r:embed="rId1"/>
+          <a:stretch>
+            <a:fillRect/>
+          </a:stretch>
+        </p:blipFill>
+        <p:spPr>
+          <a:xfrm>
+            <a:off x="840105" y="2531110"/>
+            <a:ext cx="5157470" cy="3631565"/>
+          </a:xfrm>
+          <a:prstGeom prst="rect">
+            <a:avLst/>
+          </a:prstGeom>
+        </p:spPr>
+      </p:pic>
+      <p:pic>
+        <p:nvPicPr>
+          <p:cNvPr id="13" name="Content Placeholder 12"/>
+          <p:cNvPicPr>
+            <a:picLocks noChangeAspect="1"/>
+          </p:cNvPicPr>
           <p:nvPr>
             <p:ph sz="quarter" idx="4"/>
           </p:nvPr>
-        </p:nvSpPr>
-        <p:spPr/>
-        <p:txBody>
-          <a:bodyPr/>
-          <a:lstStyle/>
-          <a:p>
-            <a:endParaRPr kumimoji="1" lang="zh-CN" altLang="en-US"/>
-          </a:p>
-        </p:txBody>
-      </p:sp>
+        </p:nvPicPr>
+        <p:blipFill>
+          <a:blip r:embed="rId2"/>
+          <a:stretch>
+            <a:fillRect/>
+          </a:stretch>
+        </p:blipFill>
+        <p:spPr>
+          <a:xfrm>
+            <a:off x="6172200" y="2583180"/>
+            <a:ext cx="5183505" cy="3527425"/>
+          </a:xfrm>
+          <a:prstGeom prst="rect">
+            <a:avLst/>
+          </a:prstGeom>
+        </p:spPr>
+      </p:pic>
     </p:spTree>
-    <p:extLst>
-      <p:ext uri="{BB962C8B-B14F-4D97-AF65-F5344CB8AC3E}">
-        <p14:creationId xmlns:p14="http://schemas.microsoft.com/office/powerpoint/2010/main" val="1163603834"/>
-      </p:ext>
-    </p:extLst>
   </p:cSld>
   <p:clrMapOvr>
     <a:masterClrMapping/>
@@ -4651,12 +5710,22 @@
               <a:t> </a:t>
             </a:r>
             <a:r>
-              <a:rPr kumimoji="1" lang="mr-IN" altLang="zh-CN" dirty="0" smtClean="0"/>
+              <a:rPr kumimoji="1" lang="en-US" altLang="zh-CN" dirty="0" smtClean="0"/>
               <a:t>–</a:t>
             </a:r>
             <a:r>
               <a:rPr kumimoji="1" lang="zh-CN" altLang="en-US" dirty="0" smtClean="0"/>
-              <a:t> （原始方案，</a:t>
+              <a:t> （</a:t>
+            </a:r>
+            <a:r>
+              <a:rPr kumimoji="1" lang="x-none" altLang="zh-CN" dirty="0" smtClean="0">
+                <a:sym typeface="+mn-ea"/>
+              </a:rPr>
+              <a:t>原始</a:t>
+            </a:r>
+            <a:r>
+              <a:rPr kumimoji="1" lang="zh-CN" altLang="en-US" dirty="0" smtClean="0"/>
+              <a:t>方案，</a:t>
             </a:r>
             <a:r>
               <a:rPr kumimoji="1" lang="en-US" altLang="zh-CN" dirty="0" smtClean="0"/>
@@ -4695,71 +5764,80 @@
       </p:sp>
       <p:sp>
         <p:nvSpPr>
-          <p:cNvPr id="3" name="内容占位符 2"/>
-          <p:cNvSpPr>
-            <a:spLocks noGrp="1"/>
-          </p:cNvSpPr>
+          <p:cNvPr id="5" name="文本占位符 4"/>
+          <p:cNvSpPr>
+            <a:spLocks noGrp="1"/>
+          </p:cNvSpPr>
+          <p:nvPr>
+            <p:ph type="body" sz="quarter" idx="3"/>
+          </p:nvPr>
+        </p:nvSpPr>
+        <p:spPr/>
+        <p:txBody>
+          <a:bodyPr/>
+          <a:lstStyle/>
+          <a:p>
+            <a:r>
+              <a:rPr kumimoji="1" lang="zh-CN" altLang="en-US" dirty="0" smtClean="0"/>
+              <a:t>时延测试</a:t>
+            </a:r>
+            <a:endParaRPr kumimoji="1" lang="zh-CN" altLang="en-US" dirty="0"/>
+          </a:p>
+        </p:txBody>
+      </p:sp>
+      <p:pic>
+        <p:nvPicPr>
+          <p:cNvPr id="6" name="Content Placeholder 5"/>
+          <p:cNvPicPr>
+            <a:picLocks noChangeAspect="1"/>
+          </p:cNvPicPr>
+          <p:nvPr>
+            <p:ph sz="quarter" idx="4"/>
+          </p:nvPr>
+        </p:nvPicPr>
+        <p:blipFill>
+          <a:blip r:embed="rId1"/>
+          <a:stretch>
+            <a:fillRect/>
+          </a:stretch>
+        </p:blipFill>
+        <p:spPr>
+          <a:xfrm>
+            <a:off x="6172200" y="2583180"/>
+            <a:ext cx="5183505" cy="3527425"/>
+          </a:xfrm>
+          <a:prstGeom prst="rect">
+            <a:avLst/>
+          </a:prstGeom>
+        </p:spPr>
+      </p:pic>
+      <p:pic>
+        <p:nvPicPr>
+          <p:cNvPr id="10" name="Content Placeholder 9"/>
+          <p:cNvPicPr>
+            <a:picLocks noChangeAspect="1"/>
+          </p:cNvPicPr>
           <p:nvPr>
             <p:ph sz="half" idx="2"/>
           </p:nvPr>
-        </p:nvSpPr>
-        <p:spPr/>
-        <p:txBody>
-          <a:bodyPr/>
-          <a:lstStyle/>
-          <a:p>
-            <a:endParaRPr kumimoji="1" lang="en-US" altLang="zh-CN" dirty="0" smtClean="0"/>
-          </a:p>
-        </p:txBody>
-      </p:sp>
-      <p:sp>
-        <p:nvSpPr>
-          <p:cNvPr id="5" name="文本占位符 4"/>
-          <p:cNvSpPr>
-            <a:spLocks noGrp="1"/>
-          </p:cNvSpPr>
-          <p:nvPr>
-            <p:ph type="body" sz="quarter" idx="3"/>
-          </p:nvPr>
-        </p:nvSpPr>
-        <p:spPr/>
-        <p:txBody>
-          <a:bodyPr/>
-          <a:lstStyle/>
-          <a:p>
-            <a:r>
-              <a:rPr kumimoji="1" lang="zh-CN" altLang="en-US" dirty="0" smtClean="0"/>
-              <a:t>时延测试</a:t>
-            </a:r>
-            <a:endParaRPr kumimoji="1" lang="zh-CN" altLang="en-US" dirty="0"/>
-          </a:p>
-        </p:txBody>
-      </p:sp>
-      <p:sp>
-        <p:nvSpPr>
-          <p:cNvPr id="6" name="内容占位符 5"/>
-          <p:cNvSpPr>
-            <a:spLocks noGrp="1"/>
-          </p:cNvSpPr>
-          <p:nvPr>
-            <p:ph sz="quarter" idx="4"/>
-          </p:nvPr>
-        </p:nvSpPr>
-        <p:spPr/>
-        <p:txBody>
-          <a:bodyPr/>
-          <a:lstStyle/>
-          <a:p>
-            <a:endParaRPr kumimoji="1" lang="zh-CN" altLang="en-US"/>
-          </a:p>
-        </p:txBody>
-      </p:sp>
+        </p:nvPicPr>
+        <p:blipFill>
+          <a:blip r:embed="rId2"/>
+          <a:stretch>
+            <a:fillRect/>
+          </a:stretch>
+        </p:blipFill>
+        <p:spPr>
+          <a:xfrm>
+            <a:off x="840105" y="2531110"/>
+            <a:ext cx="5157470" cy="3631565"/>
+          </a:xfrm>
+          <a:prstGeom prst="rect">
+            <a:avLst/>
+          </a:prstGeom>
+        </p:spPr>
+      </p:pic>
     </p:spTree>
-    <p:extLst>
-      <p:ext uri="{BB962C8B-B14F-4D97-AF65-F5344CB8AC3E}">
-        <p14:creationId xmlns:p14="http://schemas.microsoft.com/office/powerpoint/2010/main" val="1703548456"/>
-      </p:ext>
-    </p:extLst>
   </p:cSld>
   <p:clrMapOvr>
     <a:masterClrMapping/>
@@ -4815,12 +5893,22 @@
               <a:t> </a:t>
             </a:r>
             <a:r>
-              <a:rPr kumimoji="1" lang="mr-IN" altLang="zh-CN" dirty="0" smtClean="0"/>
+              <a:rPr kumimoji="1" lang="en-US" altLang="zh-CN" dirty="0" smtClean="0"/>
               <a:t>–</a:t>
             </a:r>
             <a:r>
               <a:rPr kumimoji="1" lang="zh-CN" altLang="en-US" dirty="0" smtClean="0"/>
-              <a:t> （代理方案，</a:t>
+              <a:t> （</a:t>
+            </a:r>
+            <a:r>
+              <a:rPr kumimoji="1" lang="zh-CN" altLang="en-US" dirty="0" smtClean="0">
+                <a:sym typeface="+mn-ea"/>
+              </a:rPr>
+              <a:t>排序</a:t>
+            </a:r>
+            <a:r>
+              <a:rPr kumimoji="1" lang="zh-CN" altLang="en-US" dirty="0" smtClean="0"/>
+              <a:t>方案，</a:t>
             </a:r>
             <a:r>
               <a:rPr kumimoji="1" lang="en-US" altLang="zh-CN" dirty="0" smtClean="0"/>
@@ -4859,71 +5947,80 @@
       </p:sp>
       <p:sp>
         <p:nvSpPr>
-          <p:cNvPr id="3" name="内容占位符 2"/>
-          <p:cNvSpPr>
-            <a:spLocks noGrp="1"/>
-          </p:cNvSpPr>
+          <p:cNvPr id="5" name="文本占位符 4"/>
+          <p:cNvSpPr>
+            <a:spLocks noGrp="1"/>
+          </p:cNvSpPr>
+          <p:nvPr>
+            <p:ph type="body" sz="quarter" idx="3"/>
+          </p:nvPr>
+        </p:nvSpPr>
+        <p:spPr/>
+        <p:txBody>
+          <a:bodyPr/>
+          <a:lstStyle/>
+          <a:p>
+            <a:r>
+              <a:rPr kumimoji="1" lang="zh-CN" altLang="en-US" dirty="0" smtClean="0"/>
+              <a:t>时延测试</a:t>
+            </a:r>
+            <a:endParaRPr kumimoji="1" lang="zh-CN" altLang="en-US" dirty="0"/>
+          </a:p>
+        </p:txBody>
+      </p:sp>
+      <p:pic>
+        <p:nvPicPr>
+          <p:cNvPr id="7" name="Content Placeholder 6"/>
+          <p:cNvPicPr>
+            <a:picLocks noChangeAspect="1"/>
+          </p:cNvPicPr>
           <p:nvPr>
             <p:ph sz="half" idx="2"/>
           </p:nvPr>
-        </p:nvSpPr>
-        <p:spPr/>
-        <p:txBody>
-          <a:bodyPr/>
-          <a:lstStyle/>
-          <a:p>
-            <a:endParaRPr kumimoji="1" lang="en-US" altLang="zh-CN" dirty="0" smtClean="0"/>
-          </a:p>
-        </p:txBody>
-      </p:sp>
-      <p:sp>
-        <p:nvSpPr>
-          <p:cNvPr id="5" name="文本占位符 4"/>
-          <p:cNvSpPr>
-            <a:spLocks noGrp="1"/>
-          </p:cNvSpPr>
-          <p:nvPr>
-            <p:ph type="body" sz="quarter" idx="3"/>
-          </p:nvPr>
-        </p:nvSpPr>
-        <p:spPr/>
-        <p:txBody>
-          <a:bodyPr/>
-          <a:lstStyle/>
-          <a:p>
-            <a:r>
-              <a:rPr kumimoji="1" lang="zh-CN" altLang="en-US" dirty="0" smtClean="0"/>
-              <a:t>时延测试</a:t>
-            </a:r>
-            <a:endParaRPr kumimoji="1" lang="zh-CN" altLang="en-US" dirty="0"/>
-          </a:p>
-        </p:txBody>
-      </p:sp>
-      <p:sp>
-        <p:nvSpPr>
-          <p:cNvPr id="6" name="内容占位符 5"/>
-          <p:cNvSpPr>
-            <a:spLocks noGrp="1"/>
-          </p:cNvSpPr>
+        </p:nvPicPr>
+        <p:blipFill>
+          <a:blip r:embed="rId1"/>
+          <a:stretch>
+            <a:fillRect/>
+          </a:stretch>
+        </p:blipFill>
+        <p:spPr>
+          <a:xfrm>
+            <a:off x="851535" y="2505075"/>
+            <a:ext cx="5133975" cy="3684905"/>
+          </a:xfrm>
+          <a:prstGeom prst="rect">
+            <a:avLst/>
+          </a:prstGeom>
+        </p:spPr>
+      </p:pic>
+      <p:pic>
+        <p:nvPicPr>
+          <p:cNvPr id="10" name="Content Placeholder 9"/>
+          <p:cNvPicPr>
+            <a:picLocks noChangeAspect="1"/>
+          </p:cNvPicPr>
           <p:nvPr>
             <p:ph sz="quarter" idx="4"/>
           </p:nvPr>
-        </p:nvSpPr>
-        <p:spPr/>
-        <p:txBody>
-          <a:bodyPr/>
-          <a:lstStyle/>
-          <a:p>
-            <a:endParaRPr kumimoji="1" lang="zh-CN" altLang="en-US"/>
-          </a:p>
-        </p:txBody>
-      </p:sp>
+        </p:nvPicPr>
+        <p:blipFill>
+          <a:blip r:embed="rId2"/>
+          <a:stretch>
+            <a:fillRect/>
+          </a:stretch>
+        </p:blipFill>
+        <p:spPr>
+          <a:xfrm>
+            <a:off x="6172200" y="2583180"/>
+            <a:ext cx="5183505" cy="3527425"/>
+          </a:xfrm>
+          <a:prstGeom prst="rect">
+            <a:avLst/>
+          </a:prstGeom>
+        </p:spPr>
+      </p:pic>
     </p:spTree>
-    <p:extLst>
-      <p:ext uri="{BB962C8B-B14F-4D97-AF65-F5344CB8AC3E}">
-        <p14:creationId xmlns:p14="http://schemas.microsoft.com/office/powerpoint/2010/main" val="1286918188"/>
-      </p:ext>
-    </p:extLst>
   </p:cSld>
   <p:clrMapOvr>
     <a:masterClrMapping/>
@@ -4979,12 +6076,22 @@
               <a:t> </a:t>
             </a:r>
             <a:r>
-              <a:rPr kumimoji="1" lang="mr-IN" altLang="zh-CN" dirty="0" smtClean="0"/>
+              <a:rPr kumimoji="1" lang="en-US" altLang="zh-CN" dirty="0" smtClean="0"/>
               <a:t>–</a:t>
             </a:r>
             <a:r>
               <a:rPr kumimoji="1" lang="zh-CN" altLang="en-US" dirty="0" smtClean="0"/>
-              <a:t> （代理方案，</a:t>
+              <a:t> （</a:t>
+            </a:r>
+            <a:r>
+              <a:rPr kumimoji="1" lang="zh-CN" altLang="en-US" dirty="0" smtClean="0">
+                <a:sym typeface="+mn-ea"/>
+              </a:rPr>
+              <a:t>排序</a:t>
+            </a:r>
+            <a:r>
+              <a:rPr kumimoji="1" lang="zh-CN" altLang="en-US" dirty="0" smtClean="0"/>
+              <a:t>方案，</a:t>
             </a:r>
             <a:r>
               <a:rPr kumimoji="1" lang="en-US" altLang="zh-CN" dirty="0" smtClean="0"/>
@@ -5023,71 +6130,80 @@
       </p:sp>
       <p:sp>
         <p:nvSpPr>
-          <p:cNvPr id="3" name="内容占位符 2"/>
-          <p:cNvSpPr>
-            <a:spLocks noGrp="1"/>
-          </p:cNvSpPr>
+          <p:cNvPr id="5" name="文本占位符 4"/>
+          <p:cNvSpPr>
+            <a:spLocks noGrp="1"/>
+          </p:cNvSpPr>
+          <p:nvPr>
+            <p:ph type="body" sz="quarter" idx="3"/>
+          </p:nvPr>
+        </p:nvSpPr>
+        <p:spPr/>
+        <p:txBody>
+          <a:bodyPr/>
+          <a:lstStyle/>
+          <a:p>
+            <a:r>
+              <a:rPr kumimoji="1" lang="zh-CN" altLang="en-US" dirty="0" smtClean="0"/>
+              <a:t>时延测试</a:t>
+            </a:r>
+            <a:endParaRPr kumimoji="1" lang="zh-CN" altLang="en-US" dirty="0"/>
+          </a:p>
+        </p:txBody>
+      </p:sp>
+      <p:pic>
+        <p:nvPicPr>
+          <p:cNvPr id="8" name="Content Placeholder 7"/>
+          <p:cNvPicPr>
+            <a:picLocks noChangeAspect="1"/>
+          </p:cNvPicPr>
           <p:nvPr>
             <p:ph sz="half" idx="2"/>
           </p:nvPr>
-        </p:nvSpPr>
-        <p:spPr/>
-        <p:txBody>
-          <a:bodyPr/>
-          <a:lstStyle/>
-          <a:p>
-            <a:endParaRPr kumimoji="1" lang="en-US" altLang="zh-CN" dirty="0" smtClean="0"/>
-          </a:p>
-        </p:txBody>
-      </p:sp>
-      <p:sp>
-        <p:nvSpPr>
-          <p:cNvPr id="5" name="文本占位符 4"/>
-          <p:cNvSpPr>
-            <a:spLocks noGrp="1"/>
-          </p:cNvSpPr>
-          <p:nvPr>
-            <p:ph type="body" sz="quarter" idx="3"/>
-          </p:nvPr>
-        </p:nvSpPr>
-        <p:spPr/>
-        <p:txBody>
-          <a:bodyPr/>
-          <a:lstStyle/>
-          <a:p>
-            <a:r>
-              <a:rPr kumimoji="1" lang="zh-CN" altLang="en-US" dirty="0" smtClean="0"/>
-              <a:t>时延测试</a:t>
-            </a:r>
-            <a:endParaRPr kumimoji="1" lang="zh-CN" altLang="en-US" dirty="0"/>
-          </a:p>
-        </p:txBody>
-      </p:sp>
-      <p:sp>
-        <p:nvSpPr>
-          <p:cNvPr id="6" name="内容占位符 5"/>
-          <p:cNvSpPr>
-            <a:spLocks noGrp="1"/>
-          </p:cNvSpPr>
+        </p:nvPicPr>
+        <p:blipFill>
+          <a:blip r:embed="rId1"/>
+          <a:stretch>
+            <a:fillRect/>
+          </a:stretch>
+        </p:blipFill>
+        <p:spPr>
+          <a:xfrm>
+            <a:off x="840105" y="2552065"/>
+            <a:ext cx="5157470" cy="3590290"/>
+          </a:xfrm>
+          <a:prstGeom prst="rect">
+            <a:avLst/>
+          </a:prstGeom>
+        </p:spPr>
+      </p:pic>
+      <p:pic>
+        <p:nvPicPr>
+          <p:cNvPr id="10" name="Content Placeholder 9"/>
+          <p:cNvPicPr>
+            <a:picLocks noChangeAspect="1"/>
+          </p:cNvPicPr>
           <p:nvPr>
             <p:ph sz="quarter" idx="4"/>
           </p:nvPr>
-        </p:nvSpPr>
-        <p:spPr/>
-        <p:txBody>
-          <a:bodyPr/>
-          <a:lstStyle/>
-          <a:p>
-            <a:endParaRPr kumimoji="1" lang="zh-CN" altLang="en-US"/>
-          </a:p>
-        </p:txBody>
-      </p:sp>
+        </p:nvPicPr>
+        <p:blipFill>
+          <a:blip r:embed="rId2"/>
+          <a:stretch>
+            <a:fillRect/>
+          </a:stretch>
+        </p:blipFill>
+        <p:spPr>
+          <a:xfrm>
+            <a:off x="6172200" y="2590165"/>
+            <a:ext cx="5183505" cy="3513455"/>
+          </a:xfrm>
+          <a:prstGeom prst="rect">
+            <a:avLst/>
+          </a:prstGeom>
+        </p:spPr>
+      </p:pic>
     </p:spTree>
-    <p:extLst>
-      <p:ext uri="{BB962C8B-B14F-4D97-AF65-F5344CB8AC3E}">
-        <p14:creationId xmlns:p14="http://schemas.microsoft.com/office/powerpoint/2010/main" val="1926176779"/>
-      </p:ext>
-    </p:extLst>
   </p:cSld>
   <p:clrMapOvr>
     <a:masterClrMapping/>
@@ -5145,7 +6261,7 @@
     </a:clrScheme>
     <a:fontScheme name="Cambria-Calibri">
       <a:majorFont>
-        <a:latin typeface="Cambria" panose="02040503050406030204"/>
+        <a:latin typeface="Cambria"/>
         <a:ea typeface=""/>
         <a:cs typeface=""/>
         <a:font script="Jpan" typeface="ＭＳ Ｐゴシック"/>
@@ -5180,7 +6296,7 @@
         <a:font script="Geor" typeface="Sylfaen"/>
       </a:majorFont>
       <a:minorFont>
-        <a:latin typeface="Calibri" panose="020F0502020204030204"/>
+        <a:latin typeface="Calibri"/>
         <a:ea typeface=""/>
         <a:cs typeface=""/>
         <a:font script="Jpan" typeface="ＭＳ Ｐゴシック"/>
@@ -5361,4 +6477,265 @@
     </a:ext>
   </a:extLst>
 </a:theme>
+</file>
+
+<file path=ppt/theme/theme2.xml><?xml version="1.0" encoding="utf-8"?>
+<a:theme xmlns:a="http://schemas.openxmlformats.org/drawingml/2006/main" name="Office Theme">
+  <a:themeElements>
+    <a:clrScheme name="Office">
+      <a:dk1>
+        <a:sysClr val="windowText" lastClr="000000"/>
+      </a:dk1>
+      <a:lt1>
+        <a:sysClr val="window" lastClr="FFFFFF"/>
+      </a:lt1>
+      <a:dk2>
+        <a:srgbClr val="44546A"/>
+      </a:dk2>
+      <a:lt2>
+        <a:srgbClr val="E7E6E6"/>
+      </a:lt2>
+      <a:accent1>
+        <a:srgbClr val="5B9BD5"/>
+      </a:accent1>
+      <a:accent2>
+        <a:srgbClr val="ED7D31"/>
+      </a:accent2>
+      <a:accent3>
+        <a:srgbClr val="A5A5A5"/>
+      </a:accent3>
+      <a:accent4>
+        <a:srgbClr val="FFC000"/>
+      </a:accent4>
+      <a:accent5>
+        <a:srgbClr val="4472C4"/>
+      </a:accent5>
+      <a:accent6>
+        <a:srgbClr val="70AD47"/>
+      </a:accent6>
+      <a:hlink>
+        <a:srgbClr val="0563C1"/>
+      </a:hlink>
+      <a:folHlink>
+        <a:srgbClr val="954F72"/>
+      </a:folHlink>
+    </a:clrScheme>
+    <a:fontScheme name="Office">
+      <a:majorFont>
+        <a:latin typeface="Calibri Light"/>
+        <a:ea typeface=""/>
+        <a:cs typeface=""/>
+        <a:font script="Jpan" typeface="ＭＳ Ｐゴシック"/>
+        <a:font script="Hang" typeface="맑은 고딕"/>
+        <a:font script="Hans" typeface="宋体"/>
+        <a:font script="Hant" typeface="新細明體"/>
+        <a:font script="Arab" typeface="Times New Roman"/>
+        <a:font script="Hebr" typeface="Times New Roman"/>
+        <a:font script="Thai" typeface="Angsana New"/>
+        <a:font script="Ethi" typeface="Nyala"/>
+        <a:font script="Beng" typeface="Vrinda"/>
+        <a:font script="Gujr" typeface="Shruti"/>
+        <a:font script="Khmr" typeface="MoolBoran"/>
+        <a:font script="Knda" typeface="Tunga"/>
+        <a:font script="Guru" typeface="Raavi"/>
+        <a:font script="Cans" typeface="Euphemia"/>
+        <a:font script="Cher" typeface="Plantagenet Cherokee"/>
+        <a:font script="Yiii" typeface="Microsoft Yi Baiti"/>
+        <a:font script="Tibt" typeface="Microsoft Himalaya"/>
+        <a:font script="Thaa" typeface="MV Boli"/>
+        <a:font script="Deva" typeface="Mangal"/>
+        <a:font script="Telu" typeface="Gautami"/>
+        <a:font script="Taml" typeface="Latha"/>
+        <a:font script="Syrc" typeface="Estrangelo Edessa"/>
+        <a:font script="Orya" typeface="Kalinga"/>
+        <a:font script="Mlym" typeface="Kartika"/>
+        <a:font script="Laoo" typeface="DokChampa"/>
+        <a:font script="Sinh" typeface="Iskoola Pota"/>
+        <a:font script="Mong" typeface="Mongolian Baiti"/>
+        <a:font script="Viet" typeface="Times New Roman"/>
+        <a:font script="Uigh" typeface="Microsoft Uighur"/>
+        <a:font script="Geor" typeface="Sylfaen"/>
+      </a:majorFont>
+      <a:minorFont>
+        <a:latin typeface="Calibri"/>
+        <a:ea typeface=""/>
+        <a:cs typeface=""/>
+        <a:font script="Jpan" typeface="ＭＳ Ｐゴシック"/>
+        <a:font script="Hang" typeface="맑은 고딕"/>
+        <a:font script="Hans" typeface="宋体"/>
+        <a:font script="Hant" typeface="新細明體"/>
+        <a:font script="Arab" typeface="Arial"/>
+        <a:font script="Hebr" typeface="Arial"/>
+        <a:font script="Thai" typeface="Cordia New"/>
+        <a:font script="Ethi" typeface="Nyala"/>
+        <a:font script="Beng" typeface="Vrinda"/>
+        <a:font script="Gujr" typeface="Shruti"/>
+        <a:font script="Khmr" typeface="DaunPenh"/>
+        <a:font script="Knda" typeface="Tunga"/>
+        <a:font script="Guru" typeface="Raavi"/>
+        <a:font script="Cans" typeface="Euphemia"/>
+        <a:font script="Cher" typeface="Plantagenet Cherokee"/>
+        <a:font script="Yiii" typeface="Microsoft Yi Baiti"/>
+        <a:font script="Tibt" typeface="Microsoft Himalaya"/>
+        <a:font script="Thaa" typeface="MV Boli"/>
+        <a:font script="Deva" typeface="Mangal"/>
+        <a:font script="Telu" typeface="Gautami"/>
+        <a:font script="Taml" typeface="Latha"/>
+        <a:font script="Syrc" typeface="Estrangelo Edessa"/>
+        <a:font script="Orya" typeface="Kalinga"/>
+        <a:font script="Mlym" typeface="Kartika"/>
+        <a:font script="Laoo" typeface="DokChampa"/>
+        <a:font script="Sinh" typeface="Iskoola Pota"/>
+        <a:font script="Mong" typeface="Mongolian Baiti"/>
+        <a:font script="Viet" typeface="Arial"/>
+        <a:font script="Uigh" typeface="Microsoft Uighur"/>
+        <a:font script="Geor" typeface="Sylfaen"/>
+      </a:minorFont>
+    </a:fontScheme>
+    <a:fmtScheme name="Office">
+      <a:fillStyleLst>
+        <a:solidFill>
+          <a:schemeClr val="phClr"/>
+        </a:solidFill>
+        <a:gradFill rotWithShape="1">
+          <a:gsLst>
+            <a:gs pos="0">
+              <a:schemeClr val="phClr">
+                <a:lumMod val="110000"/>
+                <a:satMod val="105000"/>
+                <a:tint val="67000"/>
+              </a:schemeClr>
+            </a:gs>
+            <a:gs pos="50000">
+              <a:schemeClr val="phClr">
+                <a:lumMod val="105000"/>
+                <a:satMod val="103000"/>
+                <a:tint val="73000"/>
+              </a:schemeClr>
+            </a:gs>
+            <a:gs pos="100000">
+              <a:schemeClr val="phClr">
+                <a:lumMod val="105000"/>
+                <a:satMod val="109000"/>
+                <a:tint val="81000"/>
+              </a:schemeClr>
+            </a:gs>
+          </a:gsLst>
+          <a:lin ang="5400000" scaled="0"/>
+        </a:gradFill>
+        <a:gradFill rotWithShape="1">
+          <a:gsLst>
+            <a:gs pos="0">
+              <a:schemeClr val="phClr">
+                <a:satMod val="103000"/>
+                <a:lumMod val="102000"/>
+                <a:tint val="94000"/>
+              </a:schemeClr>
+            </a:gs>
+            <a:gs pos="50000">
+              <a:schemeClr val="phClr">
+                <a:satMod val="110000"/>
+                <a:lumMod val="100000"/>
+                <a:shade val="100000"/>
+              </a:schemeClr>
+            </a:gs>
+            <a:gs pos="100000">
+              <a:schemeClr val="phClr">
+                <a:lumMod val="99000"/>
+                <a:satMod val="120000"/>
+                <a:shade val="78000"/>
+              </a:schemeClr>
+            </a:gs>
+          </a:gsLst>
+          <a:lin ang="5400000" scaled="0"/>
+        </a:gradFill>
+      </a:fillStyleLst>
+      <a:lnStyleLst>
+        <a:ln w="6350" cap="flat" cmpd="sng" algn="ctr">
+          <a:solidFill>
+            <a:schemeClr val="phClr"/>
+          </a:solidFill>
+          <a:prstDash val="solid"/>
+          <a:miter lim="800000"/>
+        </a:ln>
+        <a:ln w="12700" cap="flat" cmpd="sng" algn="ctr">
+          <a:solidFill>
+            <a:schemeClr val="phClr"/>
+          </a:solidFill>
+          <a:prstDash val="solid"/>
+          <a:miter lim="800000"/>
+        </a:ln>
+        <a:ln w="19050" cap="flat" cmpd="sng" algn="ctr">
+          <a:solidFill>
+            <a:schemeClr val="phClr"/>
+          </a:solidFill>
+          <a:prstDash val="solid"/>
+          <a:miter lim="800000"/>
+        </a:ln>
+      </a:lnStyleLst>
+      <a:effectStyleLst>
+        <a:effectStyle>
+          <a:effectLst/>
+        </a:effectStyle>
+        <a:effectStyle>
+          <a:effectLst/>
+        </a:effectStyle>
+        <a:effectStyle>
+          <a:effectLst>
+            <a:outerShdw blurRad="57150" dist="19050" dir="5400000" algn="ctr" rotWithShape="0">
+              <a:srgbClr val="000000">
+                <a:alpha val="63000"/>
+              </a:srgbClr>
+            </a:outerShdw>
+          </a:effectLst>
+        </a:effectStyle>
+      </a:effectStyleLst>
+      <a:bgFillStyleLst>
+        <a:solidFill>
+          <a:schemeClr val="phClr"/>
+        </a:solidFill>
+        <a:solidFill>
+          <a:schemeClr val="phClr">
+            <a:tint val="95000"/>
+            <a:satMod val="170000"/>
+          </a:schemeClr>
+        </a:solidFill>
+        <a:gradFill rotWithShape="1">
+          <a:gsLst>
+            <a:gs pos="0">
+              <a:schemeClr val="phClr">
+                <a:tint val="93000"/>
+                <a:satMod val="150000"/>
+                <a:shade val="98000"/>
+                <a:lumMod val="102000"/>
+              </a:schemeClr>
+            </a:gs>
+            <a:gs pos="50000">
+              <a:schemeClr val="phClr">
+                <a:tint val="98000"/>
+                <a:satMod val="130000"/>
+                <a:shade val="90000"/>
+                <a:lumMod val="103000"/>
+              </a:schemeClr>
+            </a:gs>
+            <a:gs pos="100000">
+              <a:schemeClr val="phClr">
+                <a:shade val="63000"/>
+                <a:satMod val="120000"/>
+              </a:schemeClr>
+            </a:gs>
+          </a:gsLst>
+          <a:lin ang="5400000" scaled="0"/>
+        </a:gradFill>
+      </a:bgFillStyleLst>
+    </a:fmtScheme>
+  </a:themeElements>
+  <a:objectDefaults/>
+  <a:extraClrSchemeLst/>
+  <a:extLst>
+    <a:ext uri="{05A4C25C-085E-4340-85A3-A5531E510DB2}">
+      <thm15:themeFamily xmlns:thm15="http://schemas.microsoft.com/office/thememl/2012/main" name="Office Theme" id="{62F939B6-93AF-4DB8-9C6B-D6C7DFDC589F}" vid="{4A3C46E8-61CC-4603-A589-7422A47A8E4A}"/>
+    </a:ext>
+  </a:extLst>
+</a:theme>
 </file>